--- a/Project-Personnalisé-Encadrée .pptx
+++ b/Project-Personnalisé-Encadrée .pptx
@@ -466,7 +466,7 @@
           <a:p>
             <a:pPr lvl="0"/>
             <a:fld id="{CA0439C7-BF05-478C-A9B8-9A33425499F2}" type="slidenum">
-              <a:t>‹#›</a:t>
+              <a:t>‹N°›</a:t>
             </a:fld>
             <a:endParaRPr lang="fr-FR" dirty="0"/>
           </a:p>
@@ -950,7 +950,7 @@
           <p:cNvPr id="2" name="Picture 2" descr="\\DROBO-FS\QuickDrops\JB\PPTX NG\Droplets\LightingOverlay.png">
             <a:extLst>
               <a:ext uri="{FF2B5EF4-FFF2-40B4-BE49-F238E27FC236}">
-                <a16:creationId xmlns:a16="http://schemas.microsoft.com/office/drawing/2014/main" xmlns="" id="{00000000-0000-0000-0000-000000000000}"/>
+                <a16:creationId xmlns:a16="http://schemas.microsoft.com/office/drawing/2014/main" id="{00000000-0000-0000-0000-000000000000}"/>
               </a:ext>
             </a:extLst>
           </p:cNvPr>
@@ -8830,7 +8830,7 @@
           <a:p>
             <a:pPr lvl="0"/>
             <a:fld id="{AF819C68-9B71-44AF-8E27-9DFC1138798B}" type="slidenum">
-              <a:t>‹#›</a:t>
+              <a:t>‹N°›</a:t>
             </a:fld>
             <a:endParaRPr lang="en-US" dirty="0"/>
           </a:p>
@@ -9061,7 +9061,7 @@
           <a:p>
             <a:pPr lvl="0"/>
             <a:fld id="{5F802F69-2D81-43B4-8D7A-A5111C4B63DD}" type="slidenum">
-              <a:t>‹#›</a:t>
+              <a:t>‹N°›</a:t>
             </a:fld>
             <a:endParaRPr lang="en-US" dirty="0"/>
           </a:p>
@@ -9243,7 +9243,7 @@
           <a:p>
             <a:pPr lvl="0"/>
             <a:fld id="{6BEAD012-8724-4CA1-93B8-0057C3E0C771}" type="slidenum">
-              <a:t>‹#›</a:t>
+              <a:t>‹N°›</a:t>
             </a:fld>
             <a:endParaRPr lang="en-US" dirty="0"/>
           </a:p>
@@ -9458,7 +9458,7 @@
           <a:p>
             <a:pPr lvl="0"/>
             <a:fld id="{D35DEC06-1733-476E-B552-1D5ABFBB1800}" type="slidenum">
-              <a:t>‹#›</a:t>
+              <a:t>‹N°›</a:t>
             </a:fld>
             <a:endParaRPr lang="en-US" dirty="0"/>
           </a:p>
@@ -9756,7 +9756,7 @@
           <a:p>
             <a:pPr lvl="0"/>
             <a:fld id="{51560D29-35E7-455B-95D0-AC60A3B6A041}" type="slidenum">
-              <a:t>‹#›</a:t>
+              <a:t>‹N°›</a:t>
             </a:fld>
             <a:endParaRPr lang="en-US" dirty="0"/>
           </a:p>
@@ -10118,7 +10118,7 @@
           <a:p>
             <a:pPr lvl="0"/>
             <a:fld id="{A57ABB0E-76CC-4348-8AE9-729B1980D816}" type="slidenum">
-              <a:t>‹#›</a:t>
+              <a:t>‹N°›</a:t>
             </a:fld>
             <a:endParaRPr lang="en-US" dirty="0"/>
           </a:p>
@@ -10627,7 +10627,7 @@
           <a:p>
             <a:pPr lvl="0"/>
             <a:fld id="{CBB52211-9453-4F3D-8BFD-3862CCAA8398}" type="slidenum">
-              <a:t>‹#›</a:t>
+              <a:t>‹N°›</a:t>
             </a:fld>
             <a:endParaRPr lang="en-US" dirty="0"/>
           </a:p>
@@ -10838,7 +10838,7 @@
           <a:p>
             <a:pPr lvl="0"/>
             <a:fld id="{18C6AD1F-6342-4476-9328-A4C4350DB10B}" type="slidenum">
-              <a:t>‹#›</a:t>
+              <a:t>‹N°›</a:t>
             </a:fld>
             <a:endParaRPr lang="en-US" dirty="0"/>
           </a:p>
@@ -11059,7 +11059,7 @@
           <a:p>
             <a:pPr lvl="0"/>
             <a:fld id="{5B229803-8DCA-41A8-B598-97AAFF2F6523}" type="slidenum">
-              <a:t>‹#›</a:t>
+              <a:t>‹N°›</a:t>
             </a:fld>
             <a:endParaRPr lang="en-US" dirty="0"/>
           </a:p>
@@ -11270,7 +11270,7 @@
           <a:p>
             <a:pPr lvl="0"/>
             <a:fld id="{92645754-4A08-47C9-A453-1F3542762462}" type="slidenum">
-              <a:t>‹#›</a:t>
+              <a:t>‹N°›</a:t>
             </a:fld>
             <a:endParaRPr lang="en-US" dirty="0"/>
           </a:p>
@@ -11452,7 +11452,7 @@
           <a:p>
             <a:pPr lvl="0"/>
             <a:fld id="{0623B029-DDE9-467E-992A-24056210AD3F}" type="slidenum">
-              <a:t>‹#›</a:t>
+              <a:t>‹N°›</a:t>
             </a:fld>
             <a:endParaRPr lang="en-US" dirty="0"/>
           </a:p>
@@ -11740,7 +11740,7 @@
           <a:p>
             <a:pPr lvl="0"/>
             <a:fld id="{FC58373E-BBBD-4267-B7B4-E9F599CBBEC0}" type="slidenum">
-              <a:t>‹#›</a:t>
+              <a:t>‹N°›</a:t>
             </a:fld>
             <a:endParaRPr lang="en-US" dirty="0"/>
           </a:p>
@@ -12105,7 +12105,7 @@
           <a:p>
             <a:pPr lvl="0"/>
             <a:fld id="{BEAAE970-9E90-4884-9C55-A2ACF352F737}" type="slidenum">
-              <a:t>‹#›</a:t>
+              <a:t>‹N°›</a:t>
             </a:fld>
             <a:endParaRPr lang="en-US" dirty="0"/>
           </a:p>
@@ -12249,7 +12249,7 @@
           <a:p>
             <a:pPr lvl="0"/>
             <a:fld id="{568AE0A4-3274-413B-8F68-F9761BDA7BFD}" type="slidenum">
-              <a:t>‹#›</a:t>
+              <a:t>‹N°›</a:t>
             </a:fld>
             <a:endParaRPr lang="en-US" dirty="0"/>
           </a:p>
@@ -12366,7 +12366,7 @@
           <a:p>
             <a:pPr lvl="0"/>
             <a:fld id="{9DE62F9D-26E8-4FCA-833B-3CBE401BD261}" type="slidenum">
-              <a:t>‹#›</a:t>
+              <a:t>‹N°›</a:t>
             </a:fld>
             <a:endParaRPr lang="en-US" dirty="0"/>
           </a:p>
@@ -12620,7 +12620,7 @@
           <a:p>
             <a:pPr lvl="0"/>
             <a:fld id="{A3D6BA72-142C-40C8-94C5-8A0EE330873B}" type="slidenum">
-              <a:t>‹#›</a:t>
+              <a:t>‹N°›</a:t>
             </a:fld>
             <a:endParaRPr lang="en-US" dirty="0"/>
           </a:p>
@@ -12851,7 +12851,7 @@
           <a:p>
             <a:pPr lvl="0"/>
             <a:fld id="{28055966-2FB9-416B-8182-AEEF4D38E119}" type="slidenum">
-              <a:t>‹#›</a:t>
+              <a:t>‹N°›</a:t>
             </a:fld>
             <a:endParaRPr lang="en-US" dirty="0"/>
           </a:p>
@@ -12911,7 +12911,7 @@
           <p:cNvPr id="2" name="Picture 2" descr="\\DROBO-FS\QuickDrops\JB\PPTX NG\Droplets\LightingOverlay.png">
             <a:extLst>
               <a:ext uri="{FF2B5EF4-FFF2-40B4-BE49-F238E27FC236}">
-                <a16:creationId xmlns:a16="http://schemas.microsoft.com/office/drawing/2014/main" xmlns="" id="{00000000-0000-0000-0000-000000000000}"/>
+                <a16:creationId xmlns:a16="http://schemas.microsoft.com/office/drawing/2014/main" id="{00000000-0000-0000-0000-000000000000}"/>
               </a:ext>
             </a:extLst>
           </p:cNvPr>
@@ -18542,7 +18542,7 @@
           <a:p>
             <a:pPr lvl="0"/>
             <a:fld id="{0944FB21-92AD-4996-B091-DD3AD02A545E}" type="slidenum">
-              <a:t>‹#›</a:t>
+              <a:t>‹N°›</a:t>
             </a:fld>
             <a:endParaRPr lang="en-US" dirty="0"/>
           </a:p>
@@ -19244,7 +19244,11 @@
             </a:pPr>
             <a:r>
               <a:rPr lang="fr-FR" u="sng" dirty="0"/>
-              <a:t>Les points bloquant </a:t>
+              <a:t>Les points </a:t>
+            </a:r>
+            <a:r>
+              <a:rPr lang="fr-FR" u="sng" dirty="0" smtClean="0"/>
+              <a:t>bloquants </a:t>
             </a:r>
             <a:r>
               <a:rPr lang="fr-FR" u="sng" dirty="0" smtClean="0"/>
@@ -19259,7 +19263,15 @@
             </a:pPr>
             <a:r>
               <a:rPr lang="fr-FR" sz="2400" dirty="0" smtClean="0"/>
-              <a:t>Liaison de la base de donnée vers le site</a:t>
+              <a:t>Liaison de la base de </a:t>
+            </a:r>
+            <a:r>
+              <a:rPr lang="fr-FR" sz="2400" dirty="0" smtClean="0"/>
+              <a:t>données </a:t>
+            </a:r>
+            <a:r>
+              <a:rPr lang="fr-FR" sz="2400" dirty="0" smtClean="0"/>
+              <a:t>vers le site</a:t>
             </a:r>
           </a:p>
           <a:p>
@@ -19270,7 +19282,15 @@
             </a:pPr>
             <a:r>
               <a:rPr lang="fr-FR" sz="2400" dirty="0" smtClean="0"/>
-              <a:t>Difficulté pour réaliser certaines tâche en PHP</a:t>
+              <a:t>Difficulté pour réaliser certaines </a:t>
+            </a:r>
+            <a:r>
+              <a:rPr lang="fr-FR" sz="2400" dirty="0" smtClean="0"/>
+              <a:t>tâches </a:t>
+            </a:r>
+            <a:r>
+              <a:rPr lang="fr-FR" sz="2400" dirty="0" smtClean="0"/>
+              <a:t>en PHP</a:t>
             </a:r>
           </a:p>
           <a:p>
@@ -19325,7 +19345,15 @@
             </a:r>
             <a:r>
               <a:rPr lang="fr-FR" sz="2400" dirty="0"/>
-              <a:t>facilement  les solutions trouvée par </a:t>
+              <a:t>facilement  les solutions </a:t>
+            </a:r>
+            <a:r>
+              <a:rPr lang="fr-FR" sz="2400" dirty="0" smtClean="0"/>
+              <a:t>trouvées </a:t>
+            </a:r>
+            <a:r>
+              <a:rPr lang="fr-FR" sz="2400" dirty="0"/>
+              <a:t>par </a:t>
             </a:r>
             <a:r>
               <a:rPr lang="fr-FR" sz="2400" dirty="0" smtClean="0"/>
@@ -19467,18 +19495,19 @@
             <a:pPr lvl="1"/>
             <a:r>
               <a:rPr lang="fr-FR" sz="2400" dirty="0" smtClean="0"/>
-              <a:t>Les différentes pages sont reliées à la base de donnée</a:t>
+              <a:t>Les différentes pages sont reliées à la base de </a:t>
             </a:r>
+            <a:r>
+              <a:rPr lang="fr-FR" sz="2400" dirty="0" smtClean="0"/>
+              <a:t>données</a:t>
+            </a:r>
+            <a:endParaRPr lang="fr-FR" sz="2400" dirty="0" smtClean="0"/>
           </a:p>
           <a:p>
             <a:pPr lvl="1"/>
             <a:r>
               <a:rPr lang="fr-FR" sz="2400" dirty="0" smtClean="0"/>
-              <a:t>Plusieurs utilisateurs peuvent se connecter sur le </a:t>
-            </a:r>
-            <a:r>
-              <a:rPr lang="fr-FR" sz="2400" dirty="0" smtClean="0"/>
-              <a:t>site</a:t>
+              <a:t>Plusieurs utilisateurs peuvent se connecter sur le site</a:t>
             </a:r>
           </a:p>
           <a:p>
@@ -19487,7 +19516,6 @@
               <a:rPr lang="fr-FR" sz="2400" dirty="0" smtClean="0"/>
               <a:t>Utiliser un panier</a:t>
             </a:r>
-            <a:endParaRPr lang="fr-FR" sz="2400" dirty="0" smtClean="0"/>
           </a:p>
           <a:p>
             <a:pPr lvl="1"/>
@@ -19500,13 +19528,8 @@
             <a:pPr lvl="1"/>
             <a:r>
               <a:rPr lang="fr-FR" sz="2400" dirty="0" smtClean="0"/>
-              <a:t>Possibilité de contacter le </a:t>
+              <a:t>Possibilité de contacter le service</a:t>
             </a:r>
-            <a:r>
-              <a:rPr lang="fr-FR" sz="2400" dirty="0" smtClean="0"/>
-              <a:t>service</a:t>
-            </a:r>
-            <a:endParaRPr lang="fr-FR" sz="2400" dirty="0" smtClean="0"/>
           </a:p>
         </p:txBody>
       </p:sp>
@@ -19629,9 +19652,28 @@
             </a:pPr>
             <a:r>
               <a:rPr lang="fr-FR" dirty="0" smtClean="0"/>
-              <a:t>Ce projet nous a permis d’approfondir nos compétences en travail d’équipe </a:t>
+              <a:t>Ce projet nous a permis d’approfondir nos compétences en travail </a:t>
             </a:r>
-            <a:endParaRPr lang="fr-FR" dirty="0"/>
+            <a:r>
+              <a:rPr lang="fr-FR" dirty="0" smtClean="0"/>
+              <a:t>d’équipe</a:t>
+            </a:r>
+            <a:r>
+              <a:rPr lang="fr-FR" dirty="0"/>
+              <a:t> </a:t>
+            </a:r>
+            <a:r>
+              <a:rPr lang="fr-FR" dirty="0" smtClean="0"/>
+              <a:t>et d’améliorer les compétences acquises en PHP, HTML, CSS apprises en cours.</a:t>
+            </a:r>
+            <a:r>
+              <a:rPr lang="fr-FR" dirty="0"/>
+              <a:t> </a:t>
+            </a:r>
+            <a:r>
+              <a:rPr lang="fr-FR" dirty="0" smtClean="0"/>
+              <a:t>Il nous a appris aussi à relier la base de données aux pages web.</a:t>
+            </a:r>
           </a:p>
         </p:txBody>
       </p:sp>
@@ -20489,8 +20531,16 @@
               <a:buNone/>
             </a:pPr>
             <a:r>
+              <a:rPr lang="fr-FR" sz="3200" smtClean="0"/>
+              <a:t>Langages </a:t>
+            </a:r>
+            <a:r>
+              <a:rPr lang="fr-FR" sz="3200" smtClean="0"/>
+              <a:t>utilisés </a:t>
+            </a:r>
+            <a:r>
               <a:rPr lang="fr-FR" sz="3200" dirty="0" smtClean="0"/>
-              <a:t>Langages utilisé : </a:t>
+              <a:t>: </a:t>
             </a:r>
           </a:p>
           <a:p>
@@ -20932,7 +20982,7 @@
           <p:cNvPr id="3" name="Espace réservé du contenu 3">
             <a:extLst>
               <a:ext uri="{FF2B5EF4-FFF2-40B4-BE49-F238E27FC236}">
-                <a16:creationId xmlns:a16="http://schemas.microsoft.com/office/drawing/2014/main" xmlns="" id="{00000000-0000-0000-0000-000000000000}"/>
+                <a16:creationId xmlns:a16="http://schemas.microsoft.com/office/drawing/2014/main" id="{00000000-0000-0000-0000-000000000000}"/>
               </a:ext>
             </a:extLst>
           </p:cNvPr>

--- a/Project-Personnalisé-Encadrée .pptx
+++ b/Project-Personnalisé-Encadrée .pptx
@@ -13,12 +13,12 @@
     <p:sldId id="258" r:id="rId4"/>
     <p:sldId id="266" r:id="rId5"/>
     <p:sldId id="259" r:id="rId6"/>
-    <p:sldId id="262" r:id="rId7"/>
-    <p:sldId id="264" r:id="rId8"/>
-    <p:sldId id="267" r:id="rId9"/>
-    <p:sldId id="263" r:id="rId10"/>
-    <p:sldId id="261" r:id="rId11"/>
-    <p:sldId id="269" r:id="rId12"/>
+    <p:sldId id="269" r:id="rId7"/>
+    <p:sldId id="262" r:id="rId8"/>
+    <p:sldId id="264" r:id="rId9"/>
+    <p:sldId id="267" r:id="rId10"/>
+    <p:sldId id="263" r:id="rId11"/>
+    <p:sldId id="261" r:id="rId12"/>
     <p:sldId id="270" r:id="rId13"/>
     <p:sldId id="268" r:id="rId14"/>
   </p:sldIdLst>
@@ -261,7 +261,7 @@
             <a:fld id="{B5296031-37E2-4A98-8BDE-4290CC3E3B54}" type="datetime1">
               <a:rPr lang="fr-FR"/>
               <a:pPr lvl="0"/>
-              <a:t>24/05/2016</a:t>
+              <a:t>25/05/2016</a:t>
             </a:fld>
             <a:endParaRPr lang="fr-FR" dirty="0"/>
           </a:p>
@@ -466,7 +466,7 @@
           <a:p>
             <a:pPr lvl="0"/>
             <a:fld id="{CA0439C7-BF05-478C-A9B8-9A33425499F2}" type="slidenum">
-              <a:t>‹N°›</a:t>
+              <a:t>‹#›</a:t>
             </a:fld>
             <a:endParaRPr lang="fr-FR" dirty="0"/>
           </a:p>
@@ -736,6 +736,11 @@
         </p:txBody>
       </p:sp>
     </p:spTree>
+    <p:extLst>
+      <p:ext uri="{BB962C8B-B14F-4D97-AF65-F5344CB8AC3E}">
+        <p14:creationId xmlns:p14="http://schemas.microsoft.com/office/powerpoint/2010/main" val="1514021696"/>
+      </p:ext>
+    </p:extLst>
   </p:cSld>
   <p:clrMapOvr>
     <a:masterClrMapping/>
@@ -770,7 +775,12 @@
             <p:ph type="sldImg"/>
           </p:nvPr>
         </p:nvSpPr>
-        <p:spPr/>
+        <p:spPr>
+          <a:xfrm>
+            <a:off x="685800" y="1143000"/>
+            <a:ext cx="5486400" cy="3086100"/>
+          </a:xfrm>
+        </p:spPr>
       </p:sp>
       <p:sp>
         <p:nvSpPr>
@@ -809,7 +819,7 @@
             <a:pPr lvl="0"/>
             <a:fld id="{CA0439C7-BF05-478C-A9B8-9A33425499F2}" type="slidenum">
               <a:rPr lang="fr-FR" smtClean="0"/>
-              <a:t>8</a:t>
+              <a:t>9</a:t>
             </a:fld>
             <a:endParaRPr lang="fr-FR" dirty="0"/>
           </a:p>
@@ -940,7 +950,7 @@
           <p:cNvPr id="2" name="Picture 2" descr="\\DROBO-FS\QuickDrops\JB\PPTX NG\Droplets\LightingOverlay.png">
             <a:extLst>
               <a:ext uri="{FF2B5EF4-FFF2-40B4-BE49-F238E27FC236}">
-                <a16:creationId xmlns:a16="http://schemas.microsoft.com/office/drawing/2014/main" id="{00000000-0000-0000-0000-000000000000}"/>
+                <a16:creationId xmlns:a16="http://schemas.microsoft.com/office/drawing/2014/main" xmlns="" id="{00000000-0000-0000-0000-000000000000}"/>
               </a:ext>
             </a:extLst>
           </p:cNvPr>
@@ -8820,7 +8830,7 @@
           <a:p>
             <a:pPr lvl="0"/>
             <a:fld id="{AF819C68-9B71-44AF-8E27-9DFC1138798B}" type="slidenum">
-              <a:t>‹N°›</a:t>
+              <a:t>‹#›</a:t>
             </a:fld>
             <a:endParaRPr lang="en-US" dirty="0"/>
           </a:p>
@@ -9051,7 +9061,7 @@
           <a:p>
             <a:pPr lvl="0"/>
             <a:fld id="{5F802F69-2D81-43B4-8D7A-A5111C4B63DD}" type="slidenum">
-              <a:t>‹N°›</a:t>
+              <a:t>‹#›</a:t>
             </a:fld>
             <a:endParaRPr lang="en-US" dirty="0"/>
           </a:p>
@@ -9233,7 +9243,7 @@
           <a:p>
             <a:pPr lvl="0"/>
             <a:fld id="{6BEAD012-8724-4CA1-93B8-0057C3E0C771}" type="slidenum">
-              <a:t>‹N°›</a:t>
+              <a:t>‹#›</a:t>
             </a:fld>
             <a:endParaRPr lang="en-US" dirty="0"/>
           </a:p>
@@ -9448,7 +9458,7 @@
           <a:p>
             <a:pPr lvl="0"/>
             <a:fld id="{D35DEC06-1733-476E-B552-1D5ABFBB1800}" type="slidenum">
-              <a:t>‹N°›</a:t>
+              <a:t>‹#›</a:t>
             </a:fld>
             <a:endParaRPr lang="en-US" dirty="0"/>
           </a:p>
@@ -9746,7 +9756,7 @@
           <a:p>
             <a:pPr lvl="0"/>
             <a:fld id="{51560D29-35E7-455B-95D0-AC60A3B6A041}" type="slidenum">
-              <a:t>‹N°›</a:t>
+              <a:t>‹#›</a:t>
             </a:fld>
             <a:endParaRPr lang="en-US" dirty="0"/>
           </a:p>
@@ -10108,7 +10118,7 @@
           <a:p>
             <a:pPr lvl="0"/>
             <a:fld id="{A57ABB0E-76CC-4348-8AE9-729B1980D816}" type="slidenum">
-              <a:t>‹N°›</a:t>
+              <a:t>‹#›</a:t>
             </a:fld>
             <a:endParaRPr lang="en-US" dirty="0"/>
           </a:p>
@@ -10617,7 +10627,7 @@
           <a:p>
             <a:pPr lvl="0"/>
             <a:fld id="{CBB52211-9453-4F3D-8BFD-3862CCAA8398}" type="slidenum">
-              <a:t>‹N°›</a:t>
+              <a:t>‹#›</a:t>
             </a:fld>
             <a:endParaRPr lang="en-US" dirty="0"/>
           </a:p>
@@ -10828,7 +10838,7 @@
           <a:p>
             <a:pPr lvl="0"/>
             <a:fld id="{18C6AD1F-6342-4476-9328-A4C4350DB10B}" type="slidenum">
-              <a:t>‹N°›</a:t>
+              <a:t>‹#›</a:t>
             </a:fld>
             <a:endParaRPr lang="en-US" dirty="0"/>
           </a:p>
@@ -11049,7 +11059,7 @@
           <a:p>
             <a:pPr lvl="0"/>
             <a:fld id="{5B229803-8DCA-41A8-B598-97AAFF2F6523}" type="slidenum">
-              <a:t>‹N°›</a:t>
+              <a:t>‹#›</a:t>
             </a:fld>
             <a:endParaRPr lang="en-US" dirty="0"/>
           </a:p>
@@ -11260,7 +11270,7 @@
           <a:p>
             <a:pPr lvl="0"/>
             <a:fld id="{92645754-4A08-47C9-A453-1F3542762462}" type="slidenum">
-              <a:t>‹N°›</a:t>
+              <a:t>‹#›</a:t>
             </a:fld>
             <a:endParaRPr lang="en-US" dirty="0"/>
           </a:p>
@@ -11442,7 +11452,7 @@
           <a:p>
             <a:pPr lvl="0"/>
             <a:fld id="{0623B029-DDE9-467E-992A-24056210AD3F}" type="slidenum">
-              <a:t>‹N°›</a:t>
+              <a:t>‹#›</a:t>
             </a:fld>
             <a:endParaRPr lang="en-US" dirty="0"/>
           </a:p>
@@ -11730,7 +11740,7 @@
           <a:p>
             <a:pPr lvl="0"/>
             <a:fld id="{FC58373E-BBBD-4267-B7B4-E9F599CBBEC0}" type="slidenum">
-              <a:t>‹N°›</a:t>
+              <a:t>‹#›</a:t>
             </a:fld>
             <a:endParaRPr lang="en-US" dirty="0"/>
           </a:p>
@@ -12095,7 +12105,7 @@
           <a:p>
             <a:pPr lvl="0"/>
             <a:fld id="{BEAAE970-9E90-4884-9C55-A2ACF352F737}" type="slidenum">
-              <a:t>‹N°›</a:t>
+              <a:t>‹#›</a:t>
             </a:fld>
             <a:endParaRPr lang="en-US" dirty="0"/>
           </a:p>
@@ -12239,7 +12249,7 @@
           <a:p>
             <a:pPr lvl="0"/>
             <a:fld id="{568AE0A4-3274-413B-8F68-F9761BDA7BFD}" type="slidenum">
-              <a:t>‹N°›</a:t>
+              <a:t>‹#›</a:t>
             </a:fld>
             <a:endParaRPr lang="en-US" dirty="0"/>
           </a:p>
@@ -12356,7 +12366,7 @@
           <a:p>
             <a:pPr lvl="0"/>
             <a:fld id="{9DE62F9D-26E8-4FCA-833B-3CBE401BD261}" type="slidenum">
-              <a:t>‹N°›</a:t>
+              <a:t>‹#›</a:t>
             </a:fld>
             <a:endParaRPr lang="en-US" dirty="0"/>
           </a:p>
@@ -12610,7 +12620,7 @@
           <a:p>
             <a:pPr lvl="0"/>
             <a:fld id="{A3D6BA72-142C-40C8-94C5-8A0EE330873B}" type="slidenum">
-              <a:t>‹N°›</a:t>
+              <a:t>‹#›</a:t>
             </a:fld>
             <a:endParaRPr lang="en-US" dirty="0"/>
           </a:p>
@@ -12841,7 +12851,7 @@
           <a:p>
             <a:pPr lvl="0"/>
             <a:fld id="{28055966-2FB9-416B-8182-AEEF4D38E119}" type="slidenum">
-              <a:t>‹N°›</a:t>
+              <a:t>‹#›</a:t>
             </a:fld>
             <a:endParaRPr lang="en-US" dirty="0"/>
           </a:p>
@@ -12901,7 +12911,7 @@
           <p:cNvPr id="2" name="Picture 2" descr="\\DROBO-FS\QuickDrops\JB\PPTX NG\Droplets\LightingOverlay.png">
             <a:extLst>
               <a:ext uri="{FF2B5EF4-FFF2-40B4-BE49-F238E27FC236}">
-                <a16:creationId xmlns:a16="http://schemas.microsoft.com/office/drawing/2014/main" id="{00000000-0000-0000-0000-000000000000}"/>
+                <a16:creationId xmlns:a16="http://schemas.microsoft.com/office/drawing/2014/main" xmlns="" id="{00000000-0000-0000-0000-000000000000}"/>
               </a:ext>
             </a:extLst>
           </p:cNvPr>
@@ -18532,7 +18542,7 @@
           <a:p>
             <a:pPr lvl="0"/>
             <a:fld id="{0944FB21-92AD-4996-B091-DD3AD02A545E}" type="slidenum">
-              <a:t>‹N°›</a:t>
+              <a:t>‹#›</a:t>
             </a:fld>
             <a:endParaRPr lang="en-US" dirty="0"/>
           </a:p>
@@ -18980,6 +18990,164 @@
 
 <file path=ppt/slides/slide10.xml><?xml version="1.0" encoding="utf-8"?>
 <p:sld xmlns:a="http://schemas.openxmlformats.org/drawingml/2006/main" xmlns:r="http://schemas.openxmlformats.org/officeDocument/2006/relationships" xmlns:p="http://schemas.openxmlformats.org/presentationml/2006/main">
+  <p:cSld name="Slide8">
+    <p:spTree>
+      <p:nvGrpSpPr>
+        <p:cNvPr id="1" name=""/>
+        <p:cNvGrpSpPr/>
+        <p:nvPr/>
+      </p:nvGrpSpPr>
+      <p:grpSpPr>
+        <a:xfrm>
+          <a:off x="0" y="0"/>
+          <a:ext cx="0" cy="0"/>
+          <a:chOff x="0" y="0"/>
+          <a:chExt cx="0" cy="0"/>
+        </a:xfrm>
+      </p:grpSpPr>
+      <p:sp>
+        <p:nvSpPr>
+          <p:cNvPr id="2" name="Title 1"/>
+          <p:cNvSpPr txBox="1">
+            <a:spLocks noGrp="1"/>
+          </p:cNvSpPr>
+          <p:nvPr>
+            <p:ph type="title"/>
+          </p:nvPr>
+        </p:nvSpPr>
+        <p:spPr/>
+        <p:txBody>
+          <a:bodyPr>
+            <a:normAutofit/>
+          </a:bodyPr>
+          <a:lstStyle/>
+          <a:p>
+            <a:pPr lvl="0"/>
+            <a:r>
+              <a:rPr lang="fr-FR" sz="3200" dirty="0"/>
+              <a:t>Back-end</a:t>
+            </a:r>
+            <a:endParaRPr lang="en-US" sz="3200" dirty="0"/>
+          </a:p>
+        </p:txBody>
+      </p:sp>
+      <p:sp>
+        <p:nvSpPr>
+          <p:cNvPr id="3" name="Content Placeholder 5"/>
+          <p:cNvSpPr txBox="1">
+            <a:spLocks noGrp="1"/>
+          </p:cNvSpPr>
+          <p:nvPr>
+            <p:ph idx="1"/>
+          </p:nvPr>
+        </p:nvSpPr>
+        <p:spPr>
+          <a:xfrm>
+            <a:off x="1141408" y="2249488"/>
+            <a:ext cx="10059992" cy="3541718"/>
+          </a:xfrm>
+        </p:spPr>
+        <p:txBody>
+          <a:bodyPr/>
+          <a:lstStyle/>
+          <a:p>
+            <a:pPr marL="0" lvl="0" indent="0">
+              <a:buNone/>
+            </a:pPr>
+            <a:r>
+              <a:rPr lang="fr-FR" sz="3200" u="sng" dirty="0"/>
+              <a:t>Partie </a:t>
+            </a:r>
+            <a:r>
+              <a:rPr lang="fr-FR" sz="3200" u="sng" dirty="0" smtClean="0"/>
+              <a:t>fonctionnelle :</a:t>
+            </a:r>
+            <a:endParaRPr lang="fr-FR" sz="3200" u="sng" dirty="0"/>
+          </a:p>
+          <a:p>
+            <a:pPr lvl="1">
+              <a:buChar char="-"/>
+            </a:pPr>
+            <a:r>
+              <a:rPr lang="fr-FR" dirty="0"/>
+              <a:t>Connexion avec son compte </a:t>
+            </a:r>
+          </a:p>
+          <a:p>
+            <a:pPr lvl="1">
+              <a:buChar char="-"/>
+            </a:pPr>
+            <a:r>
+              <a:rPr lang="fr-FR" dirty="0"/>
+              <a:t>Affichage des articles </a:t>
+            </a:r>
+            <a:endParaRPr lang="fr-FR" dirty="0" smtClean="0"/>
+          </a:p>
+          <a:p>
+            <a:pPr lvl="1">
+              <a:buChar char="-"/>
+            </a:pPr>
+            <a:r>
+              <a:rPr lang="fr-FR" dirty="0" smtClean="0"/>
+              <a:t>Contacter </a:t>
+            </a:r>
+            <a:r>
+              <a:rPr lang="fr-FR" dirty="0"/>
+              <a:t>le service</a:t>
+            </a:r>
+            <a:endParaRPr lang="en-US" dirty="0"/>
+          </a:p>
+        </p:txBody>
+      </p:sp>
+      <p:sp>
+        <p:nvSpPr>
+          <p:cNvPr id="5" name="Espace réservé du numéro de diapositive 4"/>
+          <p:cNvSpPr>
+            <a:spLocks noGrp="1"/>
+          </p:cNvSpPr>
+          <p:nvPr>
+            <p:ph type="sldNum" sz="quarter" idx="8"/>
+          </p:nvPr>
+        </p:nvSpPr>
+        <p:spPr/>
+        <p:txBody>
+          <a:bodyPr/>
+          <a:lstStyle/>
+          <a:p>
+            <a:pPr lvl="0"/>
+            <a:fld id="{FC58373E-BBBD-4267-B7B4-E9F599CBBEC0}" type="slidenum">
+              <a:rPr lang="en-US" smtClean="0"/>
+              <a:t>10</a:t>
+            </a:fld>
+            <a:endParaRPr lang="en-US" dirty="0"/>
+          </a:p>
+        </p:txBody>
+      </p:sp>
+    </p:spTree>
+  </p:cSld>
+  <p:clrMapOvr>
+    <a:masterClrMapping/>
+  </p:clrMapOvr>
+  <mc:AlternateContent xmlns:mc="http://schemas.openxmlformats.org/markup-compatibility/2006" xmlns:p14="http://schemas.microsoft.com/office/powerpoint/2010/main">
+    <mc:Choice Requires="p14">
+      <p:transition spd="slow" p14:dur="2000"/>
+    </mc:Choice>
+    <mc:Fallback xmlns="">
+      <p:transition spd="slow"/>
+    </mc:Fallback>
+  </mc:AlternateContent>
+  <p:timing>
+    <p:tnLst>
+      <p:par>
+        <p:cTn id="1" dur="indefinite" restart="never" nodeType="tmRoot"/>
+      </p:par>
+    </p:tnLst>
+  </p:timing>
+</p:sld>
+</file>
+
+<file path=ppt/slides/slide11.xml><?xml version="1.0" encoding="utf-8"?>
+<p:sld xmlns:a="http://schemas.openxmlformats.org/drawingml/2006/main" xmlns:r="http://schemas.openxmlformats.org/officeDocument/2006/relationships" xmlns:p="http://schemas.openxmlformats.org/presentationml/2006/main">
   <p:cSld name="Slide6">
     <p:spTree>
       <p:nvGrpSpPr>
@@ -19215,163 +19383,13 @@
             <a:pPr lvl="0"/>
             <a:fld id="{92645754-4A08-47C9-A453-1F3542762462}" type="slidenum">
               <a:rPr lang="en-US" smtClean="0"/>
-              <a:t>10</a:t>
+              <a:t>11</a:t>
             </a:fld>
             <a:endParaRPr lang="en-US" dirty="0"/>
           </a:p>
         </p:txBody>
       </p:sp>
     </p:spTree>
-  </p:cSld>
-  <p:clrMapOvr>
-    <a:masterClrMapping/>
-  </p:clrMapOvr>
-  <mc:AlternateContent xmlns:mc="http://schemas.openxmlformats.org/markup-compatibility/2006" xmlns:p14="http://schemas.microsoft.com/office/powerpoint/2010/main">
-    <mc:Choice Requires="p14">
-      <p:transition spd="slow" p14:dur="2000"/>
-    </mc:Choice>
-    <mc:Fallback xmlns="">
-      <p:transition spd="slow"/>
-    </mc:Fallback>
-  </mc:AlternateContent>
-  <p:timing>
-    <p:tnLst>
-      <p:par>
-        <p:cTn id="1" dur="indefinite" restart="never" nodeType="tmRoot"/>
-      </p:par>
-    </p:tnLst>
-  </p:timing>
-</p:sld>
-</file>
-
-<file path=ppt/slides/slide11.xml><?xml version="1.0" encoding="utf-8"?>
-<p:sld xmlns:a="http://schemas.openxmlformats.org/drawingml/2006/main" xmlns:r="http://schemas.openxmlformats.org/officeDocument/2006/relationships" xmlns:p="http://schemas.openxmlformats.org/presentationml/2006/main">
-  <p:cSld>
-    <p:spTree>
-      <p:nvGrpSpPr>
-        <p:cNvPr id="1" name=""/>
-        <p:cNvGrpSpPr/>
-        <p:nvPr/>
-      </p:nvGrpSpPr>
-      <p:grpSpPr>
-        <a:xfrm>
-          <a:off x="0" y="0"/>
-          <a:ext cx="0" cy="0"/>
-          <a:chOff x="0" y="0"/>
-          <a:chExt cx="0" cy="0"/>
-        </a:xfrm>
-      </p:grpSpPr>
-      <p:sp>
-        <p:nvSpPr>
-          <p:cNvPr id="8" name="Espace réservé du contenu 7"/>
-          <p:cNvSpPr>
-            <a:spLocks noGrp="1"/>
-          </p:cNvSpPr>
-          <p:nvPr>
-            <p:ph idx="1"/>
-          </p:nvPr>
-        </p:nvSpPr>
-        <p:spPr>
-          <a:xfrm>
-            <a:off x="1141409" y="1073886"/>
-            <a:ext cx="9905996" cy="4809391"/>
-          </a:xfrm>
-        </p:spPr>
-        <p:txBody>
-          <a:bodyPr/>
-          <a:lstStyle/>
-          <a:p>
-            <a:pPr marL="0" indent="0">
-              <a:buNone/>
-            </a:pPr>
-            <a:r>
-              <a:rPr lang="fr-FR" sz="3200" dirty="0" smtClean="0"/>
-              <a:t>Langages utilisé : </a:t>
-            </a:r>
-          </a:p>
-          <a:p>
-            <a:pPr lvl="1"/>
-            <a:r>
-              <a:rPr lang="fr-FR" dirty="0" smtClean="0"/>
-              <a:t>HTML, CSS</a:t>
-            </a:r>
-          </a:p>
-          <a:p>
-            <a:pPr lvl="1"/>
-            <a:r>
-              <a:rPr lang="fr-FR" dirty="0" smtClean="0"/>
-              <a:t>PHP</a:t>
-            </a:r>
-          </a:p>
-          <a:p>
-            <a:pPr lvl="1"/>
-            <a:r>
-              <a:rPr lang="fr-FR" dirty="0" smtClean="0"/>
-              <a:t>SQL</a:t>
-            </a:r>
-          </a:p>
-          <a:p>
-            <a:pPr lvl="1"/>
-            <a:endParaRPr lang="fr-FR" dirty="0" smtClean="0"/>
-          </a:p>
-          <a:p>
-            <a:pPr lvl="1"/>
-            <a:endParaRPr lang="fr-FR" dirty="0" smtClean="0"/>
-          </a:p>
-          <a:p>
-            <a:pPr marL="0" indent="0">
-              <a:buNone/>
-            </a:pPr>
-            <a:r>
-              <a:rPr lang="fr-FR" sz="3200" dirty="0" smtClean="0"/>
-              <a:t>Framework :</a:t>
-            </a:r>
-          </a:p>
-          <a:p>
-            <a:pPr lvl="1"/>
-            <a:r>
-              <a:rPr lang="fr-FR" sz="2400" dirty="0" smtClean="0"/>
-              <a:t>Bootstrap</a:t>
-            </a:r>
-          </a:p>
-          <a:p>
-            <a:pPr marL="0" indent="0">
-              <a:buNone/>
-            </a:pPr>
-            <a:endParaRPr lang="fr-FR" dirty="0"/>
-          </a:p>
-        </p:txBody>
-      </p:sp>
-      <p:sp>
-        <p:nvSpPr>
-          <p:cNvPr id="2" name="Espace réservé du numéro de diapositive 1"/>
-          <p:cNvSpPr>
-            <a:spLocks noGrp="1"/>
-          </p:cNvSpPr>
-          <p:nvPr>
-            <p:ph type="sldNum" sz="quarter" idx="8"/>
-          </p:nvPr>
-        </p:nvSpPr>
-        <p:spPr/>
-        <p:txBody>
-          <a:bodyPr/>
-          <a:lstStyle/>
-          <a:p>
-            <a:pPr lvl="0"/>
-            <a:fld id="{9DE62F9D-26E8-4FCA-833B-3CBE401BD261}" type="slidenum">
-              <a:rPr lang="en-US" smtClean="0"/>
-              <a:t>11</a:t>
-            </a:fld>
-            <a:endParaRPr lang="en-US" dirty="0"/>
-          </a:p>
-        </p:txBody>
-      </p:sp>
-    </p:spTree>
-    <p:extLst>
-      <p:ext uri="{BB962C8B-B14F-4D97-AF65-F5344CB8AC3E}">
-        <p14:creationId xmlns:p14="http://schemas.microsoft.com/office/powerpoint/2010/main" val="1428115026"/>
-      </p:ext>
-    </p:extLst>
   </p:cSld>
   <p:clrMapOvr>
     <a:masterClrMapping/>
@@ -19456,8 +19474,20 @@
             <a:pPr lvl="1"/>
             <a:r>
               <a:rPr lang="fr-FR" sz="2400" dirty="0" smtClean="0"/>
-              <a:t>Plusieurs utilisateurs peuvent se connecter sur le site</a:t>
+              <a:t>Plusieurs utilisateurs peuvent se connecter sur le </a:t>
             </a:r>
+            <a:r>
+              <a:rPr lang="fr-FR" sz="2400" dirty="0" smtClean="0"/>
+              <a:t>site</a:t>
+            </a:r>
+          </a:p>
+          <a:p>
+            <a:pPr lvl="1"/>
+            <a:r>
+              <a:rPr lang="fr-FR" sz="2400" dirty="0" smtClean="0"/>
+              <a:t>Utiliser un panier</a:t>
+            </a:r>
+            <a:endParaRPr lang="fr-FR" sz="2400" dirty="0" smtClean="0"/>
           </a:p>
           <a:p>
             <a:pPr lvl="1"/>
@@ -19470,11 +19500,13 @@
             <a:pPr lvl="1"/>
             <a:r>
               <a:rPr lang="fr-FR" sz="2400" dirty="0" smtClean="0"/>
-              <a:t>Possibilité de contacter le service</a:t>
+              <a:t>Possibilité de contacter le </a:t>
             </a:r>
-          </a:p>
-          <a:p>
-            <a:endParaRPr lang="fr-FR" dirty="0"/>
+            <a:r>
+              <a:rPr lang="fr-FR" sz="2400" dirty="0" smtClean="0"/>
+              <a:t>service</a:t>
+            </a:r>
+            <a:endParaRPr lang="fr-FR" sz="2400" dirty="0" smtClean="0"/>
           </a:p>
         </p:txBody>
       </p:sp>
@@ -19595,6 +19627,10 @@
             <a:pPr marL="0" indent="0">
               <a:buNone/>
             </a:pPr>
+            <a:r>
+              <a:rPr lang="fr-FR" dirty="0" smtClean="0"/>
+              <a:t>Ce projet nous a permis d’approfondir nos compétences en travail d’équipe </a:t>
+            </a:r>
             <a:endParaRPr lang="fr-FR" dirty="0"/>
           </a:p>
         </p:txBody>
@@ -19743,8 +19779,20 @@
             <a:pPr lvl="0"/>
             <a:r>
               <a:rPr lang="fr-FR" dirty="0"/>
-              <a:t>Présentation de l’équipe</a:t>
+              <a:t>Présentation de </a:t>
             </a:r>
+            <a:r>
+              <a:rPr lang="fr-FR" dirty="0" smtClean="0"/>
+              <a:t>l’équipe</a:t>
+            </a:r>
+          </a:p>
+          <a:p>
+            <a:pPr lvl="0"/>
+            <a:r>
+              <a:rPr lang="fr-FR" dirty="0" smtClean="0"/>
+              <a:t>Répartition des tâches</a:t>
+            </a:r>
+            <a:endParaRPr lang="fr-FR" dirty="0"/>
           </a:p>
           <a:p>
             <a:pPr lvl="0"/>
@@ -19756,19 +19804,23 @@
           <a:p>
             <a:pPr lvl="0"/>
             <a:r>
-              <a:rPr lang="fr-FR" dirty="0"/>
+              <a:rPr lang="fr-FR" dirty="0" smtClean="0"/>
               <a:t>Aperçu du site</a:t>
             </a:r>
           </a:p>
           <a:p>
             <a:pPr lvl="0"/>
             <a:r>
-              <a:rPr lang="fr-FR" dirty="0"/>
+              <a:rPr lang="fr-FR" dirty="0" smtClean="0"/>
               <a:t>Déroulement</a:t>
             </a:r>
             <a:r>
+              <a:rPr lang="en-US" dirty="0" smtClean="0"/>
+              <a:t> </a:t>
+            </a:r>
+            <a:r>
               <a:rPr lang="en-US" dirty="0"/>
-              <a:t> du </a:t>
+              <a:t>du </a:t>
             </a:r>
             <a:r>
               <a:rPr lang="fr-FR" dirty="0"/>
@@ -20398,6 +20450,156 @@
 
 <file path=ppt/slides/slide6.xml><?xml version="1.0" encoding="utf-8"?>
 <p:sld xmlns:a="http://schemas.openxmlformats.org/drawingml/2006/main" xmlns:r="http://schemas.openxmlformats.org/officeDocument/2006/relationships" xmlns:p="http://schemas.openxmlformats.org/presentationml/2006/main">
+  <p:cSld>
+    <p:spTree>
+      <p:nvGrpSpPr>
+        <p:cNvPr id="1" name=""/>
+        <p:cNvGrpSpPr/>
+        <p:nvPr/>
+      </p:nvGrpSpPr>
+      <p:grpSpPr>
+        <a:xfrm>
+          <a:off x="0" y="0"/>
+          <a:ext cx="0" cy="0"/>
+          <a:chOff x="0" y="0"/>
+          <a:chExt cx="0" cy="0"/>
+        </a:xfrm>
+      </p:grpSpPr>
+      <p:sp>
+        <p:nvSpPr>
+          <p:cNvPr id="8" name="Espace réservé du contenu 7"/>
+          <p:cNvSpPr>
+            <a:spLocks noGrp="1"/>
+          </p:cNvSpPr>
+          <p:nvPr>
+            <p:ph idx="1"/>
+          </p:nvPr>
+        </p:nvSpPr>
+        <p:spPr>
+          <a:xfrm>
+            <a:off x="1141409" y="1073886"/>
+            <a:ext cx="9905996" cy="4809391"/>
+          </a:xfrm>
+        </p:spPr>
+        <p:txBody>
+          <a:bodyPr/>
+          <a:lstStyle/>
+          <a:p>
+            <a:pPr marL="0" indent="0">
+              <a:buNone/>
+            </a:pPr>
+            <a:r>
+              <a:rPr lang="fr-FR" sz="3200" dirty="0" smtClean="0"/>
+              <a:t>Langages utilisé : </a:t>
+            </a:r>
+          </a:p>
+          <a:p>
+            <a:pPr lvl="1"/>
+            <a:r>
+              <a:rPr lang="fr-FR" dirty="0" smtClean="0"/>
+              <a:t>HTML, CSS</a:t>
+            </a:r>
+          </a:p>
+          <a:p>
+            <a:pPr lvl="1"/>
+            <a:r>
+              <a:rPr lang="fr-FR" dirty="0" smtClean="0"/>
+              <a:t>PHP</a:t>
+            </a:r>
+          </a:p>
+          <a:p>
+            <a:pPr lvl="1"/>
+            <a:r>
+              <a:rPr lang="fr-FR" dirty="0" smtClean="0"/>
+              <a:t>SQL</a:t>
+            </a:r>
+          </a:p>
+          <a:p>
+            <a:pPr lvl="1"/>
+            <a:endParaRPr lang="fr-FR" dirty="0" smtClean="0"/>
+          </a:p>
+          <a:p>
+            <a:pPr lvl="1"/>
+            <a:endParaRPr lang="fr-FR" dirty="0" smtClean="0"/>
+          </a:p>
+          <a:p>
+            <a:pPr marL="0" indent="0">
+              <a:buNone/>
+            </a:pPr>
+            <a:r>
+              <a:rPr lang="fr-FR" sz="3200" dirty="0" smtClean="0"/>
+              <a:t>Framework :</a:t>
+            </a:r>
+          </a:p>
+          <a:p>
+            <a:pPr lvl="1"/>
+            <a:r>
+              <a:rPr lang="fr-FR" sz="2400" dirty="0" smtClean="0"/>
+              <a:t>Bootstrap</a:t>
+            </a:r>
+          </a:p>
+          <a:p>
+            <a:pPr marL="0" indent="0">
+              <a:buNone/>
+            </a:pPr>
+            <a:endParaRPr lang="fr-FR" dirty="0"/>
+          </a:p>
+        </p:txBody>
+      </p:sp>
+      <p:sp>
+        <p:nvSpPr>
+          <p:cNvPr id="2" name="Espace réservé du numéro de diapositive 1"/>
+          <p:cNvSpPr>
+            <a:spLocks noGrp="1"/>
+          </p:cNvSpPr>
+          <p:nvPr>
+            <p:ph type="sldNum" sz="quarter" idx="8"/>
+          </p:nvPr>
+        </p:nvSpPr>
+        <p:spPr/>
+        <p:txBody>
+          <a:bodyPr/>
+          <a:lstStyle/>
+          <a:p>
+            <a:pPr lvl="0"/>
+            <a:fld id="{9DE62F9D-26E8-4FCA-833B-3CBE401BD261}" type="slidenum">
+              <a:rPr lang="en-US" smtClean="0"/>
+              <a:t>6</a:t>
+            </a:fld>
+            <a:endParaRPr lang="en-US" dirty="0"/>
+          </a:p>
+        </p:txBody>
+      </p:sp>
+    </p:spTree>
+    <p:extLst>
+      <p:ext uri="{BB962C8B-B14F-4D97-AF65-F5344CB8AC3E}">
+        <p14:creationId xmlns:p14="http://schemas.microsoft.com/office/powerpoint/2010/main" val="1428115026"/>
+      </p:ext>
+    </p:extLst>
+  </p:cSld>
+  <p:clrMapOvr>
+    <a:masterClrMapping/>
+  </p:clrMapOvr>
+  <mc:AlternateContent xmlns:mc="http://schemas.openxmlformats.org/markup-compatibility/2006" xmlns:p14="http://schemas.microsoft.com/office/powerpoint/2010/main">
+    <mc:Choice Requires="p14">
+      <p:transition spd="slow" p14:dur="2000"/>
+    </mc:Choice>
+    <mc:Fallback xmlns="">
+      <p:transition spd="slow"/>
+    </mc:Fallback>
+  </mc:AlternateContent>
+  <p:timing>
+    <p:tnLst>
+      <p:par>
+        <p:cTn id="1" dur="indefinite" restart="never" nodeType="tmRoot"/>
+      </p:par>
+    </p:tnLst>
+  </p:timing>
+</p:sld>
+</file>
+
+<file path=ppt/slides/slide7.xml><?xml version="1.0" encoding="utf-8"?>
+<p:sld xmlns:a="http://schemas.openxmlformats.org/drawingml/2006/main" xmlns:r="http://schemas.openxmlformats.org/officeDocument/2006/relationships" xmlns:p="http://schemas.openxmlformats.org/presentationml/2006/main">
   <p:cSld name="Slide7">
     <p:spTree>
       <p:nvGrpSpPr>
@@ -20530,7 +20732,7 @@
             <a:pPr lvl="0"/>
             <a:fld id="{FC58373E-BBBD-4267-B7B4-E9F599CBBEC0}" type="slidenum">
               <a:rPr lang="en-US" smtClean="0"/>
-              <a:t>6</a:t>
+              <a:t>7</a:t>
             </a:fld>
             <a:endParaRPr lang="en-US" dirty="0"/>
           </a:p>
@@ -20559,7 +20761,7 @@
 </p:sld>
 </file>
 
-<file path=ppt/slides/slide7.xml><?xml version="1.0" encoding="utf-8"?>
+<file path=ppt/slides/slide8.xml><?xml version="1.0" encoding="utf-8"?>
 <p:sld xmlns:a="http://schemas.openxmlformats.org/drawingml/2006/main" xmlns:r="http://schemas.openxmlformats.org/officeDocument/2006/relationships" xmlns:p="http://schemas.openxmlformats.org/presentationml/2006/main">
   <p:cSld name="Slide9">
     <p:spTree>
@@ -20649,7 +20851,7 @@
             <a:pPr lvl="0"/>
             <a:fld id="{92645754-4A08-47C9-A453-1F3542762462}" type="slidenum">
               <a:rPr lang="en-US" smtClean="0"/>
-              <a:t>7</a:t>
+              <a:t>8</a:t>
             </a:fld>
             <a:endParaRPr lang="en-US" dirty="0"/>
           </a:p>
@@ -20678,7 +20880,7 @@
 </p:sld>
 </file>
 
-<file path=ppt/slides/slide8.xml><?xml version="1.0" encoding="utf-8"?>
+<file path=ppt/slides/slide9.xml><?xml version="1.0" encoding="utf-8"?>
 <p:sld xmlns:a="http://schemas.openxmlformats.org/drawingml/2006/main" xmlns:r="http://schemas.openxmlformats.org/officeDocument/2006/relationships" xmlns:p="http://schemas.openxmlformats.org/presentationml/2006/main">
   <p:cSld name="Slide12">
     <p:spTree>
@@ -20730,7 +20932,7 @@
           <p:cNvPr id="3" name="Espace réservé du contenu 3">
             <a:extLst>
               <a:ext uri="{FF2B5EF4-FFF2-40B4-BE49-F238E27FC236}">
-                <a16:creationId xmlns:a16="http://schemas.microsoft.com/office/drawing/2014/main" id="{00000000-0000-0000-0000-000000000000}"/>
+                <a16:creationId xmlns:a16="http://schemas.microsoft.com/office/drawing/2014/main" xmlns="" id="{00000000-0000-0000-0000-000000000000}"/>
               </a:ext>
             </a:extLst>
           </p:cNvPr>
@@ -20771,164 +20973,6 @@
           <a:p>
             <a:pPr lvl="0"/>
             <a:fld id="{92645754-4A08-47C9-A453-1F3542762462}" type="slidenum">
-              <a:rPr lang="en-US" smtClean="0"/>
-              <a:t>8</a:t>
-            </a:fld>
-            <a:endParaRPr lang="en-US" dirty="0"/>
-          </a:p>
-        </p:txBody>
-      </p:sp>
-    </p:spTree>
-  </p:cSld>
-  <p:clrMapOvr>
-    <a:masterClrMapping/>
-  </p:clrMapOvr>
-  <mc:AlternateContent xmlns:mc="http://schemas.openxmlformats.org/markup-compatibility/2006" xmlns:p14="http://schemas.microsoft.com/office/powerpoint/2010/main">
-    <mc:Choice Requires="p14">
-      <p:transition spd="slow" p14:dur="2000"/>
-    </mc:Choice>
-    <mc:Fallback xmlns="">
-      <p:transition spd="slow"/>
-    </mc:Fallback>
-  </mc:AlternateContent>
-  <p:timing>
-    <p:tnLst>
-      <p:par>
-        <p:cTn id="1" dur="indefinite" restart="never" nodeType="tmRoot"/>
-      </p:par>
-    </p:tnLst>
-  </p:timing>
-</p:sld>
-</file>
-
-<file path=ppt/slides/slide9.xml><?xml version="1.0" encoding="utf-8"?>
-<p:sld xmlns:a="http://schemas.openxmlformats.org/drawingml/2006/main" xmlns:r="http://schemas.openxmlformats.org/officeDocument/2006/relationships" xmlns:p="http://schemas.openxmlformats.org/presentationml/2006/main">
-  <p:cSld name="Slide8">
-    <p:spTree>
-      <p:nvGrpSpPr>
-        <p:cNvPr id="1" name=""/>
-        <p:cNvGrpSpPr/>
-        <p:nvPr/>
-      </p:nvGrpSpPr>
-      <p:grpSpPr>
-        <a:xfrm>
-          <a:off x="0" y="0"/>
-          <a:ext cx="0" cy="0"/>
-          <a:chOff x="0" y="0"/>
-          <a:chExt cx="0" cy="0"/>
-        </a:xfrm>
-      </p:grpSpPr>
-      <p:sp>
-        <p:nvSpPr>
-          <p:cNvPr id="2" name="Title 1"/>
-          <p:cNvSpPr txBox="1">
-            <a:spLocks noGrp="1"/>
-          </p:cNvSpPr>
-          <p:nvPr>
-            <p:ph type="title"/>
-          </p:nvPr>
-        </p:nvSpPr>
-        <p:spPr/>
-        <p:txBody>
-          <a:bodyPr>
-            <a:normAutofit/>
-          </a:bodyPr>
-          <a:lstStyle/>
-          <a:p>
-            <a:pPr lvl="0"/>
-            <a:r>
-              <a:rPr lang="fr-FR" sz="3200" dirty="0"/>
-              <a:t>Back-end</a:t>
-            </a:r>
-            <a:endParaRPr lang="en-US" sz="3200" dirty="0"/>
-          </a:p>
-        </p:txBody>
-      </p:sp>
-      <p:sp>
-        <p:nvSpPr>
-          <p:cNvPr id="3" name="Content Placeholder 5"/>
-          <p:cNvSpPr txBox="1">
-            <a:spLocks noGrp="1"/>
-          </p:cNvSpPr>
-          <p:nvPr>
-            <p:ph idx="1"/>
-          </p:nvPr>
-        </p:nvSpPr>
-        <p:spPr>
-          <a:xfrm>
-            <a:off x="1141408" y="2249488"/>
-            <a:ext cx="10059992" cy="3541718"/>
-          </a:xfrm>
-        </p:spPr>
-        <p:txBody>
-          <a:bodyPr/>
-          <a:lstStyle/>
-          <a:p>
-            <a:pPr marL="0" lvl="0" indent="0">
-              <a:buNone/>
-            </a:pPr>
-            <a:r>
-              <a:rPr lang="fr-FR" sz="3200" u="sng" dirty="0"/>
-              <a:t>Partie </a:t>
-            </a:r>
-            <a:r>
-              <a:rPr lang="fr-FR" sz="3200" u="sng" dirty="0" smtClean="0"/>
-              <a:t>fonctionnelle :</a:t>
-            </a:r>
-            <a:endParaRPr lang="fr-FR" sz="3200" u="sng" dirty="0"/>
-          </a:p>
-          <a:p>
-            <a:pPr lvl="1">
-              <a:buChar char="-"/>
-            </a:pPr>
-            <a:r>
-              <a:rPr lang="fr-FR" dirty="0"/>
-              <a:t>Connexion avec son compte </a:t>
-            </a:r>
-          </a:p>
-          <a:p>
-            <a:pPr lvl="1">
-              <a:buChar char="-"/>
-            </a:pPr>
-            <a:r>
-              <a:rPr lang="fr-FR" dirty="0"/>
-              <a:t>Affichage des articles </a:t>
-            </a:r>
-            <a:endParaRPr lang="fr-FR" dirty="0" smtClean="0"/>
-          </a:p>
-          <a:p>
-            <a:pPr lvl="1">
-              <a:buChar char="-"/>
-            </a:pPr>
-            <a:r>
-              <a:rPr lang="fr-FR" dirty="0" smtClean="0"/>
-              <a:t>Contacter </a:t>
-            </a:r>
-            <a:r>
-              <a:rPr lang="fr-FR" dirty="0"/>
-              <a:t>le service</a:t>
-            </a:r>
-            <a:endParaRPr lang="en-US" dirty="0"/>
-          </a:p>
-        </p:txBody>
-      </p:sp>
-      <p:sp>
-        <p:nvSpPr>
-          <p:cNvPr id="5" name="Espace réservé du numéro de diapositive 4"/>
-          <p:cNvSpPr>
-            <a:spLocks noGrp="1"/>
-          </p:cNvSpPr>
-          <p:nvPr>
-            <p:ph type="sldNum" sz="quarter" idx="8"/>
-          </p:nvPr>
-        </p:nvSpPr>
-        <p:spPr/>
-        <p:txBody>
-          <a:bodyPr/>
-          <a:lstStyle/>
-          <a:p>
-            <a:pPr lvl="0"/>
-            <a:fld id="{FC58373E-BBBD-4267-B7B4-E9F599CBBEC0}" type="slidenum">
               <a:rPr lang="en-US" smtClean="0"/>
               <a:t>9</a:t>
             </a:fld>

--- a/Project-Personnalisé-Encadrée .pptx
+++ b/Project-Personnalisé-Encadrée .pptx
@@ -5,22 +5,23 @@
     <p:sldMasterId id="2147483648" r:id="rId1"/>
   </p:sldMasterIdLst>
   <p:notesMasterIdLst>
-    <p:notesMasterId r:id="rId15"/>
+    <p:notesMasterId r:id="rId16"/>
   </p:notesMasterIdLst>
   <p:sldIdLst>
     <p:sldId id="256" r:id="rId2"/>
     <p:sldId id="257" r:id="rId3"/>
-    <p:sldId id="258" r:id="rId4"/>
-    <p:sldId id="266" r:id="rId5"/>
-    <p:sldId id="259" r:id="rId6"/>
-    <p:sldId id="269" r:id="rId7"/>
-    <p:sldId id="262" r:id="rId8"/>
-    <p:sldId id="264" r:id="rId9"/>
-    <p:sldId id="267" r:id="rId10"/>
-    <p:sldId id="263" r:id="rId11"/>
-    <p:sldId id="261" r:id="rId12"/>
-    <p:sldId id="270" r:id="rId13"/>
-    <p:sldId id="268" r:id="rId14"/>
+    <p:sldId id="259" r:id="rId4"/>
+    <p:sldId id="269" r:id="rId5"/>
+    <p:sldId id="262" r:id="rId6"/>
+    <p:sldId id="264" r:id="rId7"/>
+    <p:sldId id="267" r:id="rId8"/>
+    <p:sldId id="271" r:id="rId9"/>
+    <p:sldId id="263" r:id="rId10"/>
+    <p:sldId id="270" r:id="rId11"/>
+    <p:sldId id="258" r:id="rId12"/>
+    <p:sldId id="266" r:id="rId13"/>
+    <p:sldId id="261" r:id="rId14"/>
+    <p:sldId id="268" r:id="rId15"/>
   </p:sldIdLst>
   <p:sldSz cx="12192000" cy="6858000"/>
   <p:notesSz cx="6858000" cy="9144000"/>
@@ -466,7 +467,7 @@
           <a:p>
             <a:pPr lvl="0"/>
             <a:fld id="{CA0439C7-BF05-478C-A9B8-9A33425499F2}" type="slidenum">
-              <a:t>‹N°›</a:t>
+              <a:t>‹#›</a:t>
             </a:fld>
             <a:endParaRPr lang="fr-FR" dirty="0"/>
           </a:p>
@@ -662,11 +663,11 @@
       <p:sp>
         <p:nvSpPr>
           <p:cNvPr id="3" name="Espace réservé des notes 2"/>
-          <p:cNvSpPr txBox="1">
+          <p:cNvSpPr>
             <a:spLocks noGrp="1"/>
           </p:cNvSpPr>
           <p:nvPr>
-            <p:ph type="body" sz="quarter" idx="1"/>
+            <p:ph type="body" idx="1"/>
           </p:nvPr>
         </p:nvSpPr>
         <p:spPr/>
@@ -681,64 +682,31 @@
       <p:sp>
         <p:nvSpPr>
           <p:cNvPr id="4" name="Espace réservé du numéro de diapositive 3"/>
-          <p:cNvSpPr txBox="1"/>
-          <p:nvPr/>
+          <p:cNvSpPr>
+            <a:spLocks noGrp="1"/>
+          </p:cNvSpPr>
+          <p:nvPr>
+            <p:ph type="sldNum" sz="quarter" idx="10"/>
+          </p:nvPr>
         </p:nvSpPr>
-        <p:spPr>
-          <a:xfrm>
-            <a:off x="3884608" y="8685208"/>
-            <a:ext cx="2971800" cy="458791"/>
-          </a:xfrm>
-          <a:prstGeom prst="rect">
-            <a:avLst/>
-          </a:prstGeom>
-          <a:noFill/>
-          <a:ln cap="flat">
-            <a:noFill/>
-          </a:ln>
-        </p:spPr>
+        <p:spPr/>
         <p:txBody>
-          <a:bodyPr vert="horz" wrap="square" lIns="91440" tIns="45720" rIns="91440" bIns="45720" anchor="b" anchorCtr="0" compatLnSpc="1">
-            <a:noAutofit/>
-          </a:bodyPr>
+          <a:bodyPr/>
           <a:lstStyle/>
           <a:p>
-            <a:pPr marL="0" marR="0" lvl="0" indent="0" algn="r" defTabSz="914400" rtl="0" fontAlgn="auto" hangingPunct="1">
-              <a:lnSpc>
-                <a:spcPct val="100000"/>
-              </a:lnSpc>
-              <a:spcBef>
-                <a:spcPts val="0"/>
-              </a:spcBef>
-              <a:spcAft>
-                <a:spcPts val="0"/>
-              </a:spcAft>
-              <a:buNone/>
-              <a:tabLst/>
-              <a:defRPr sz="1800" b="0" i="0" u="none" strike="noStrike" kern="0" cap="none" spc="0" baseline="0">
-                <a:solidFill>
-                  <a:srgbClr val="000000"/>
-                </a:solidFill>
-                <a:uFillTx/>
-              </a:defRPr>
-            </a:pPr>
-            <a:fld id="{ED30F6DC-B462-4878-885B-0DF4576011E2}" type="slidenum">
-              <a:t>4</a:t>
+            <a:pPr lvl="0"/>
+            <a:fld id="{CA0439C7-BF05-478C-A9B8-9A33425499F2}" type="slidenum">
+              <a:rPr lang="fr-FR" smtClean="0"/>
+              <a:t>7</a:t>
             </a:fld>
-            <a:endParaRPr lang="fr-FR" sz="1200" b="0" i="0" u="none" strike="noStrike" kern="1200" cap="none" spc="0" baseline="0" dirty="0">
-              <a:solidFill>
-                <a:srgbClr val="000000"/>
-              </a:solidFill>
-              <a:uFillTx/>
-              <a:latin typeface="Calibri"/>
-            </a:endParaRPr>
+            <a:endParaRPr lang="fr-FR" dirty="0"/>
           </a:p>
         </p:txBody>
       </p:sp>
     </p:spTree>
     <p:extLst>
       <p:ext uri="{BB962C8B-B14F-4D97-AF65-F5344CB8AC3E}">
-        <p14:creationId xmlns:p14="http://schemas.microsoft.com/office/powerpoint/2010/main" val="1514021696"/>
+        <p14:creationId xmlns:p14="http://schemas.microsoft.com/office/powerpoint/2010/main" val="751996083"/>
       </p:ext>
     </p:extLst>
   </p:cSld>
@@ -819,7 +787,7 @@
             <a:pPr lvl="0"/>
             <a:fld id="{CA0439C7-BF05-478C-A9B8-9A33425499F2}" type="slidenum">
               <a:rPr lang="fr-FR" smtClean="0"/>
-              <a:t>9</a:t>
+              <a:t>10</a:t>
             </a:fld>
             <a:endParaRPr lang="fr-FR" dirty="0"/>
           </a:p>
@@ -828,7 +796,7 @@
     </p:spTree>
     <p:extLst>
       <p:ext uri="{BB962C8B-B14F-4D97-AF65-F5344CB8AC3E}">
-        <p14:creationId xmlns:p14="http://schemas.microsoft.com/office/powerpoint/2010/main" val="751996083"/>
+        <p14:creationId xmlns:p14="http://schemas.microsoft.com/office/powerpoint/2010/main" val="1456998561"/>
       </p:ext>
     </p:extLst>
   </p:cSld>
@@ -875,11 +843,11 @@
       <p:sp>
         <p:nvSpPr>
           <p:cNvPr id="3" name="Espace réservé des notes 2"/>
-          <p:cNvSpPr>
+          <p:cNvSpPr txBox="1">
             <a:spLocks noGrp="1"/>
           </p:cNvSpPr>
           <p:nvPr>
-            <p:ph type="body" idx="1"/>
+            <p:ph type="body" sz="quarter" idx="1"/>
           </p:nvPr>
         </p:nvSpPr>
         <p:spPr/>
@@ -894,31 +862,64 @@
       <p:sp>
         <p:nvSpPr>
           <p:cNvPr id="4" name="Espace réservé du numéro de diapositive 3"/>
-          <p:cNvSpPr>
-            <a:spLocks noGrp="1"/>
-          </p:cNvSpPr>
-          <p:nvPr>
-            <p:ph type="sldNum" sz="quarter" idx="10"/>
-          </p:nvPr>
+          <p:cNvSpPr txBox="1"/>
+          <p:nvPr/>
         </p:nvSpPr>
-        <p:spPr/>
+        <p:spPr>
+          <a:xfrm>
+            <a:off x="3884608" y="8685208"/>
+            <a:ext cx="2971800" cy="458791"/>
+          </a:xfrm>
+          <a:prstGeom prst="rect">
+            <a:avLst/>
+          </a:prstGeom>
+          <a:noFill/>
+          <a:ln cap="flat">
+            <a:noFill/>
+          </a:ln>
+        </p:spPr>
         <p:txBody>
-          <a:bodyPr/>
+          <a:bodyPr vert="horz" wrap="square" lIns="91440" tIns="45720" rIns="91440" bIns="45720" anchor="b" anchorCtr="0" compatLnSpc="1">
+            <a:noAutofit/>
+          </a:bodyPr>
           <a:lstStyle/>
           <a:p>
-            <a:pPr lvl="0"/>
-            <a:fld id="{CA0439C7-BF05-478C-A9B8-9A33425499F2}" type="slidenum">
-              <a:rPr lang="fr-FR" smtClean="0"/>
+            <a:pPr marL="0" marR="0" lvl="0" indent="0" algn="r" defTabSz="914400" rtl="0" fontAlgn="auto" hangingPunct="1">
+              <a:lnSpc>
+                <a:spcPct val="100000"/>
+              </a:lnSpc>
+              <a:spcBef>
+                <a:spcPts val="0"/>
+              </a:spcBef>
+              <a:spcAft>
+                <a:spcPts val="0"/>
+              </a:spcAft>
+              <a:buNone/>
+              <a:tabLst/>
+              <a:defRPr sz="1800" b="0" i="0" u="none" strike="noStrike" kern="0" cap="none" spc="0" baseline="0">
+                <a:solidFill>
+                  <a:srgbClr val="000000"/>
+                </a:solidFill>
+                <a:uFillTx/>
+              </a:defRPr>
+            </a:pPr>
+            <a:fld id="{ED30F6DC-B462-4878-885B-0DF4576011E2}" type="slidenum">
               <a:t>12</a:t>
             </a:fld>
-            <a:endParaRPr lang="fr-FR" dirty="0"/>
+            <a:endParaRPr lang="fr-FR" sz="1200" b="0" i="0" u="none" strike="noStrike" kern="1200" cap="none" spc="0" baseline="0" dirty="0">
+              <a:solidFill>
+                <a:srgbClr val="000000"/>
+              </a:solidFill>
+              <a:uFillTx/>
+              <a:latin typeface="Calibri"/>
+            </a:endParaRPr>
           </a:p>
         </p:txBody>
       </p:sp>
     </p:spTree>
     <p:extLst>
       <p:ext uri="{BB962C8B-B14F-4D97-AF65-F5344CB8AC3E}">
-        <p14:creationId xmlns:p14="http://schemas.microsoft.com/office/powerpoint/2010/main" val="1456998561"/>
+        <p14:creationId xmlns:p14="http://schemas.microsoft.com/office/powerpoint/2010/main" val="1514021696"/>
       </p:ext>
     </p:extLst>
   </p:cSld>
@@ -950,7 +951,7 @@
           <p:cNvPr id="2" name="Picture 2" descr="\\DROBO-FS\QuickDrops\JB\PPTX NG\Droplets\LightingOverlay.png">
             <a:extLst>
               <a:ext uri="{FF2B5EF4-FFF2-40B4-BE49-F238E27FC236}">
-                <a16:creationId xmlns:a16="http://schemas.microsoft.com/office/drawing/2014/main" id="{00000000-0000-0000-0000-000000000000}"/>
+                <a16:creationId xmlns="" xmlns:a16="http://schemas.microsoft.com/office/drawing/2014/main" id="{00000000-0000-0000-0000-000000000000}"/>
               </a:ext>
             </a:extLst>
           </p:cNvPr>
@@ -8830,7 +8831,7 @@
           <a:p>
             <a:pPr lvl="0"/>
             <a:fld id="{AF819C68-9B71-44AF-8E27-9DFC1138798B}" type="slidenum">
-              <a:t>‹N°›</a:t>
+              <a:t>‹#›</a:t>
             </a:fld>
             <a:endParaRPr lang="en-US" dirty="0"/>
           </a:p>
@@ -9061,7 +9062,7 @@
           <a:p>
             <a:pPr lvl="0"/>
             <a:fld id="{5F802F69-2D81-43B4-8D7A-A5111C4B63DD}" type="slidenum">
-              <a:t>‹N°›</a:t>
+              <a:t>‹#›</a:t>
             </a:fld>
             <a:endParaRPr lang="en-US" dirty="0"/>
           </a:p>
@@ -9243,7 +9244,7 @@
           <a:p>
             <a:pPr lvl="0"/>
             <a:fld id="{6BEAD012-8724-4CA1-93B8-0057C3E0C771}" type="slidenum">
-              <a:t>‹N°›</a:t>
+              <a:t>‹#›</a:t>
             </a:fld>
             <a:endParaRPr lang="en-US" dirty="0"/>
           </a:p>
@@ -9458,7 +9459,7 @@
           <a:p>
             <a:pPr lvl="0"/>
             <a:fld id="{D35DEC06-1733-476E-B552-1D5ABFBB1800}" type="slidenum">
-              <a:t>‹N°›</a:t>
+              <a:t>‹#›</a:t>
             </a:fld>
             <a:endParaRPr lang="en-US" dirty="0"/>
           </a:p>
@@ -9756,7 +9757,7 @@
           <a:p>
             <a:pPr lvl="0"/>
             <a:fld id="{51560D29-35E7-455B-95D0-AC60A3B6A041}" type="slidenum">
-              <a:t>‹N°›</a:t>
+              <a:t>‹#›</a:t>
             </a:fld>
             <a:endParaRPr lang="en-US" dirty="0"/>
           </a:p>
@@ -10118,7 +10119,7 @@
           <a:p>
             <a:pPr lvl="0"/>
             <a:fld id="{A57ABB0E-76CC-4348-8AE9-729B1980D816}" type="slidenum">
-              <a:t>‹N°›</a:t>
+              <a:t>‹#›</a:t>
             </a:fld>
             <a:endParaRPr lang="en-US" dirty="0"/>
           </a:p>
@@ -10627,7 +10628,7 @@
           <a:p>
             <a:pPr lvl="0"/>
             <a:fld id="{CBB52211-9453-4F3D-8BFD-3862CCAA8398}" type="slidenum">
-              <a:t>‹N°›</a:t>
+              <a:t>‹#›</a:t>
             </a:fld>
             <a:endParaRPr lang="en-US" dirty="0"/>
           </a:p>
@@ -10838,7 +10839,7 @@
           <a:p>
             <a:pPr lvl="0"/>
             <a:fld id="{18C6AD1F-6342-4476-9328-A4C4350DB10B}" type="slidenum">
-              <a:t>‹N°›</a:t>
+              <a:t>‹#›</a:t>
             </a:fld>
             <a:endParaRPr lang="en-US" dirty="0"/>
           </a:p>
@@ -11059,7 +11060,7 @@
           <a:p>
             <a:pPr lvl="0"/>
             <a:fld id="{5B229803-8DCA-41A8-B598-97AAFF2F6523}" type="slidenum">
-              <a:t>‹N°›</a:t>
+              <a:t>‹#›</a:t>
             </a:fld>
             <a:endParaRPr lang="en-US" dirty="0"/>
           </a:p>
@@ -11270,7 +11271,7 @@
           <a:p>
             <a:pPr lvl="0"/>
             <a:fld id="{92645754-4A08-47C9-A453-1F3542762462}" type="slidenum">
-              <a:t>‹N°›</a:t>
+              <a:t>‹#›</a:t>
             </a:fld>
             <a:endParaRPr lang="en-US" dirty="0"/>
           </a:p>
@@ -11452,7 +11453,7 @@
           <a:p>
             <a:pPr lvl="0"/>
             <a:fld id="{0623B029-DDE9-467E-992A-24056210AD3F}" type="slidenum">
-              <a:t>‹N°›</a:t>
+              <a:t>‹#›</a:t>
             </a:fld>
             <a:endParaRPr lang="en-US" dirty="0"/>
           </a:p>
@@ -11740,7 +11741,7 @@
           <a:p>
             <a:pPr lvl="0"/>
             <a:fld id="{FC58373E-BBBD-4267-B7B4-E9F599CBBEC0}" type="slidenum">
-              <a:t>‹N°›</a:t>
+              <a:t>‹#›</a:t>
             </a:fld>
             <a:endParaRPr lang="en-US" dirty="0"/>
           </a:p>
@@ -12105,7 +12106,7 @@
           <a:p>
             <a:pPr lvl="0"/>
             <a:fld id="{BEAAE970-9E90-4884-9C55-A2ACF352F737}" type="slidenum">
-              <a:t>‹N°›</a:t>
+              <a:t>‹#›</a:t>
             </a:fld>
             <a:endParaRPr lang="en-US" dirty="0"/>
           </a:p>
@@ -12249,7 +12250,7 @@
           <a:p>
             <a:pPr lvl="0"/>
             <a:fld id="{568AE0A4-3274-413B-8F68-F9761BDA7BFD}" type="slidenum">
-              <a:t>‹N°›</a:t>
+              <a:t>‹#›</a:t>
             </a:fld>
             <a:endParaRPr lang="en-US" dirty="0"/>
           </a:p>
@@ -12366,7 +12367,7 @@
           <a:p>
             <a:pPr lvl="0"/>
             <a:fld id="{9DE62F9D-26E8-4FCA-833B-3CBE401BD261}" type="slidenum">
-              <a:t>‹N°›</a:t>
+              <a:t>‹#›</a:t>
             </a:fld>
             <a:endParaRPr lang="en-US" dirty="0"/>
           </a:p>
@@ -12620,7 +12621,7 @@
           <a:p>
             <a:pPr lvl="0"/>
             <a:fld id="{A3D6BA72-142C-40C8-94C5-8A0EE330873B}" type="slidenum">
-              <a:t>‹N°›</a:t>
+              <a:t>‹#›</a:t>
             </a:fld>
             <a:endParaRPr lang="en-US" dirty="0"/>
           </a:p>
@@ -12851,7 +12852,7 @@
           <a:p>
             <a:pPr lvl="0"/>
             <a:fld id="{28055966-2FB9-416B-8182-AEEF4D38E119}" type="slidenum">
-              <a:t>‹N°›</a:t>
+              <a:t>‹#›</a:t>
             </a:fld>
             <a:endParaRPr lang="en-US" dirty="0"/>
           </a:p>
@@ -12911,7 +12912,7 @@
           <p:cNvPr id="2" name="Picture 2" descr="\\DROBO-FS\QuickDrops\JB\PPTX NG\Droplets\LightingOverlay.png">
             <a:extLst>
               <a:ext uri="{FF2B5EF4-FFF2-40B4-BE49-F238E27FC236}">
-                <a16:creationId xmlns:a16="http://schemas.microsoft.com/office/drawing/2014/main" id="{00000000-0000-0000-0000-000000000000}"/>
+                <a16:creationId xmlns="" xmlns:a16="http://schemas.microsoft.com/office/drawing/2014/main" id="{00000000-0000-0000-0000-000000000000}"/>
               </a:ext>
             </a:extLst>
           </p:cNvPr>
@@ -18542,7 +18543,7 @@
           <a:p>
             <a:pPr lvl="0"/>
             <a:fld id="{0944FB21-92AD-4996-B091-DD3AD02A545E}" type="slidenum">
-              <a:t>‹N°›</a:t>
+              <a:t>‹#›</a:t>
             </a:fld>
             <a:endParaRPr lang="en-US" dirty="0"/>
           </a:p>
@@ -18990,7 +18991,147 @@
 
 <file path=ppt/slides/slide10.xml><?xml version="1.0" encoding="utf-8"?>
 <p:sld xmlns:a="http://schemas.openxmlformats.org/drawingml/2006/main" xmlns:r="http://schemas.openxmlformats.org/officeDocument/2006/relationships" xmlns:p="http://schemas.openxmlformats.org/presentationml/2006/main">
-  <p:cSld name="Slide8">
+  <p:cSld>
+    <p:spTree>
+      <p:nvGrpSpPr>
+        <p:cNvPr id="1" name=""/>
+        <p:cNvGrpSpPr/>
+        <p:nvPr/>
+      </p:nvGrpSpPr>
+      <p:grpSpPr>
+        <a:xfrm>
+          <a:off x="0" y="0"/>
+          <a:ext cx="0" cy="0"/>
+          <a:chOff x="0" y="0"/>
+          <a:chExt cx="0" cy="0"/>
+        </a:xfrm>
+      </p:grpSpPr>
+      <p:sp>
+        <p:nvSpPr>
+          <p:cNvPr id="3" name="Espace réservé du contenu 2"/>
+          <p:cNvSpPr>
+            <a:spLocks noGrp="1"/>
+          </p:cNvSpPr>
+          <p:nvPr>
+            <p:ph idx="1"/>
+          </p:nvPr>
+        </p:nvSpPr>
+        <p:spPr>
+          <a:xfrm>
+            <a:off x="1141408" y="1143000"/>
+            <a:ext cx="9905996" cy="4985238"/>
+          </a:xfrm>
+        </p:spPr>
+        <p:txBody>
+          <a:bodyPr/>
+          <a:lstStyle/>
+          <a:p>
+            <a:pPr marL="0" indent="0">
+              <a:buNone/>
+            </a:pPr>
+            <a:r>
+              <a:rPr lang="fr-FR" u="sng" dirty="0" smtClean="0"/>
+              <a:t>État d’avancement du projet :</a:t>
+            </a:r>
+          </a:p>
+          <a:p>
+            <a:pPr marL="0" indent="0">
+              <a:buNone/>
+            </a:pPr>
+            <a:endParaRPr lang="fr-FR" u="sng" dirty="0" smtClean="0"/>
+          </a:p>
+          <a:p>
+            <a:pPr lvl="1"/>
+            <a:r>
+              <a:rPr lang="fr-FR" sz="2400" dirty="0" smtClean="0"/>
+              <a:t>Les différentes pages sont reliées à la base de données</a:t>
+            </a:r>
+          </a:p>
+          <a:p>
+            <a:pPr lvl="1"/>
+            <a:r>
+              <a:rPr lang="fr-FR" sz="2400" dirty="0" smtClean="0"/>
+              <a:t>Plusieurs utilisateurs peuvent se connecter sur le site</a:t>
+            </a:r>
+          </a:p>
+          <a:p>
+            <a:pPr lvl="1"/>
+            <a:r>
+              <a:rPr lang="fr-FR" sz="2400" dirty="0" smtClean="0"/>
+              <a:t>Utiliser un panier</a:t>
+            </a:r>
+          </a:p>
+          <a:p>
+            <a:pPr lvl="1"/>
+            <a:r>
+              <a:rPr lang="fr-FR" sz="2400" dirty="0" smtClean="0"/>
+              <a:t>Les utilisateurs peuvent modifier leur mot de passe</a:t>
+            </a:r>
+          </a:p>
+          <a:p>
+            <a:pPr lvl="1"/>
+            <a:r>
+              <a:rPr lang="fr-FR" sz="2400" dirty="0" smtClean="0"/>
+              <a:t>Possibilité de contacter le service</a:t>
+            </a:r>
+          </a:p>
+        </p:txBody>
+      </p:sp>
+      <p:sp>
+        <p:nvSpPr>
+          <p:cNvPr id="4" name="Espace réservé du numéro de diapositive 3"/>
+          <p:cNvSpPr>
+            <a:spLocks noGrp="1"/>
+          </p:cNvSpPr>
+          <p:nvPr>
+            <p:ph type="sldNum" sz="quarter" idx="8"/>
+          </p:nvPr>
+        </p:nvSpPr>
+        <p:spPr/>
+        <p:txBody>
+          <a:bodyPr/>
+          <a:lstStyle/>
+          <a:p>
+            <a:pPr lvl="0"/>
+            <a:fld id="{92645754-4A08-47C9-A453-1F3542762462}" type="slidenum">
+              <a:rPr lang="en-US" smtClean="0"/>
+              <a:t>10</a:t>
+            </a:fld>
+            <a:endParaRPr lang="en-US" dirty="0"/>
+          </a:p>
+        </p:txBody>
+      </p:sp>
+    </p:spTree>
+    <p:extLst>
+      <p:ext uri="{BB962C8B-B14F-4D97-AF65-F5344CB8AC3E}">
+        <p14:creationId xmlns:p14="http://schemas.microsoft.com/office/powerpoint/2010/main" val="396879612"/>
+      </p:ext>
+    </p:extLst>
+  </p:cSld>
+  <p:clrMapOvr>
+    <a:masterClrMapping/>
+  </p:clrMapOvr>
+  <mc:AlternateContent xmlns:mc="http://schemas.openxmlformats.org/markup-compatibility/2006" xmlns:p14="http://schemas.microsoft.com/office/powerpoint/2010/main">
+    <mc:Choice Requires="p14">
+      <p:transition spd="slow" p14:dur="2000"/>
+    </mc:Choice>
+    <mc:Fallback xmlns="">
+      <p:transition spd="slow"/>
+    </mc:Fallback>
+  </mc:AlternateContent>
+  <p:timing>
+    <p:tnLst>
+      <p:par>
+        <p:cTn id="1" dur="indefinite" restart="never" nodeType="tmRoot"/>
+      </p:par>
+    </p:tnLst>
+  </p:timing>
+</p:sld>
+</file>
+
+<file path=ppt/slides/slide11.xml><?xml version="1.0" encoding="utf-8"?>
+<p:sld xmlns:a="http://schemas.openxmlformats.org/drawingml/2006/main" xmlns:r="http://schemas.openxmlformats.org/officeDocument/2006/relationships" xmlns:p="http://schemas.openxmlformats.org/presentationml/2006/main">
+  <p:cSld name="Slide3">
     <p:spTree>
       <p:nvGrpSpPr>
         <p:cNvPr id="1" name=""/>
@@ -19017,23 +19158,71 @@
         </p:nvSpPr>
         <p:spPr/>
         <p:txBody>
-          <a:bodyPr>
-            <a:normAutofit/>
-          </a:bodyPr>
+          <a:bodyPr/>
           <a:lstStyle/>
           <a:p>
             <a:pPr lvl="0"/>
             <a:r>
-              <a:rPr lang="fr-FR" sz="3200" dirty="0"/>
-              <a:t>Back-end</a:t>
+              <a:rPr lang="fr-FR" b="1" u="sng" cap="none" dirty="0">
+                <a:effectLst>
+                  <a:outerShdw dist="38096" dir="2700000">
+                    <a:srgbClr val="49D1CD"/>
+                  </a:outerShdw>
+                </a:effectLst>
+                <a:latin typeface="Calibri"/>
+              </a:rPr>
+              <a:t>Présentation</a:t>
             </a:r>
-            <a:endParaRPr lang="en-US" sz="3200" dirty="0"/>
+            <a:r>
+              <a:rPr lang="en-US" b="1" u="sng" cap="none" dirty="0">
+                <a:effectLst>
+                  <a:outerShdw dist="38096" dir="2700000">
+                    <a:srgbClr val="49D1CD"/>
+                  </a:outerShdw>
+                </a:effectLst>
+                <a:latin typeface="Calibri"/>
+              </a:rPr>
+              <a:t> de </a:t>
+            </a:r>
+            <a:r>
+              <a:rPr lang="fr-FR" b="1" u="sng" cap="none" dirty="0">
+                <a:effectLst>
+                  <a:outerShdw dist="38096" dir="2700000">
+                    <a:srgbClr val="49D1CD"/>
+                  </a:outerShdw>
+                </a:effectLst>
+                <a:latin typeface="Calibri"/>
+              </a:rPr>
+              <a:t>l’équipe</a:t>
+            </a:r>
+            <a:r>
+              <a:rPr lang="en-US" b="1" cap="none" dirty="0">
+                <a:effectLst>
+                  <a:outerShdw dist="38096" dir="2700000">
+                    <a:srgbClr val="49D1CD"/>
+                  </a:outerShdw>
+                </a:effectLst>
+                <a:latin typeface="Calibri"/>
+              </a:rPr>
+              <a:t/>
+            </a:r>
+            <a:br>
+              <a:rPr lang="en-US" b="1" cap="none" dirty="0">
+                <a:effectLst>
+                  <a:outerShdw dist="38096" dir="2700000">
+                    <a:srgbClr val="49D1CD"/>
+                  </a:outerShdw>
+                </a:effectLst>
+                <a:latin typeface="Calibri"/>
+              </a:rPr>
+            </a:br>
+            <a:endParaRPr lang="en-US" dirty="0"/>
           </a:p>
         </p:txBody>
       </p:sp>
       <p:sp>
         <p:nvSpPr>
-          <p:cNvPr id="3" name="Content Placeholder 5"/>
+          <p:cNvPr id="3" name="Content Placeholder 2"/>
           <p:cNvSpPr txBox="1">
             <a:spLocks noGrp="1"/>
           </p:cNvSpPr>
@@ -19043,65 +19232,54 @@
         </p:nvSpPr>
         <p:spPr>
           <a:xfrm>
-            <a:off x="1141408" y="2249488"/>
-            <a:ext cx="10059992" cy="3541718"/>
+            <a:off x="1141408" y="2341559"/>
+            <a:ext cx="9905996" cy="3541718"/>
           </a:xfrm>
         </p:spPr>
         <p:txBody>
           <a:bodyPr/>
           <a:lstStyle/>
           <a:p>
-            <a:pPr marL="0" lvl="0" indent="0">
-              <a:buNone/>
-            </a:pPr>
-            <a:r>
-              <a:rPr lang="fr-FR" sz="3200" u="sng" dirty="0"/>
-              <a:t>Partie </a:t>
-            </a:r>
-            <a:r>
-              <a:rPr lang="fr-FR" sz="3200" u="sng" dirty="0" smtClean="0"/>
-              <a:t>fonctionnelle :</a:t>
-            </a:r>
-            <a:endParaRPr lang="fr-FR" sz="3200" u="sng" dirty="0"/>
-          </a:p>
-          <a:p>
-            <a:pPr lvl="1">
-              <a:buChar char="-"/>
-            </a:pPr>
+            <a:pPr lvl="0"/>
             <a:r>
               <a:rPr lang="fr-FR" dirty="0"/>
-              <a:t>Connexion avec son compte </a:t>
+              <a:t>Sarah Gumaa</a:t>
             </a:r>
           </a:p>
           <a:p>
-            <a:pPr lvl="1">
-              <a:buChar char="-"/>
-            </a:pPr>
+            <a:pPr lvl="0"/>
             <a:r>
               <a:rPr lang="fr-FR" dirty="0"/>
-              <a:t>Affichage des articles </a:t>
+              <a:t>Abraham Ibo</a:t>
             </a:r>
-            <a:endParaRPr lang="fr-FR" dirty="0" smtClean="0"/>
-          </a:p>
-          <a:p>
-            <a:pPr lvl="1">
-              <a:buChar char="-"/>
-            </a:pPr>
+          </a:p>
+          <a:p>
+            <a:pPr lvl="0"/>
             <a:r>
-              <a:rPr lang="fr-FR" dirty="0" smtClean="0"/>
-              <a:t>Contacter </a:t>
+              <a:rPr lang="fr-FR" dirty="0"/>
+              <a:t>Alexandre Normand</a:t>
+            </a:r>
+          </a:p>
+          <a:p>
+            <a:pPr lvl="0"/>
+            <a:r>
+              <a:rPr lang="en-US" dirty="0"/>
+              <a:t>Paul Gon</a:t>
             </a:r>
             <a:r>
               <a:rPr lang="fr-FR" dirty="0"/>
-              <a:t>le service</a:t>
+              <a:t>ç</a:t>
             </a:r>
-            <a:endParaRPr lang="en-US" dirty="0"/>
+            <a:r>
+              <a:rPr lang="en-US" dirty="0"/>
+              <a:t>alves</a:t>
+            </a:r>
           </a:p>
         </p:txBody>
       </p:sp>
       <p:sp>
         <p:nvSpPr>
-          <p:cNvPr id="5" name="Espace réservé du numéro de diapositive 4"/>
+          <p:cNvPr id="4" name="Espace réservé du numéro de diapositive 3"/>
           <p:cNvSpPr>
             <a:spLocks noGrp="1"/>
           </p:cNvSpPr>
@@ -19115,9 +19293,9 @@
           <a:lstStyle/>
           <a:p>
             <a:pPr lvl="0"/>
-            <a:fld id="{FC58373E-BBBD-4267-B7B4-E9F599CBBEC0}" type="slidenum">
+            <a:fld id="{92645754-4A08-47C9-A453-1F3542762462}" type="slidenum">
               <a:rPr lang="en-US" smtClean="0"/>
-              <a:t>10</a:t>
+              <a:t>11</a:t>
             </a:fld>
             <a:endParaRPr lang="en-US" dirty="0"/>
           </a:p>
@@ -19146,7 +19324,205 @@
 </p:sld>
 </file>
 
-<file path=ppt/slides/slide11.xml><?xml version="1.0" encoding="utf-8"?>
+<file path=ppt/slides/slide12.xml><?xml version="1.0" encoding="utf-8"?>
+<p:sld xmlns:a="http://schemas.openxmlformats.org/drawingml/2006/main" xmlns:r="http://schemas.openxmlformats.org/officeDocument/2006/relationships" xmlns:p="http://schemas.openxmlformats.org/presentationml/2006/main">
+  <p:cSld name="Slide11">
+    <p:spTree>
+      <p:nvGrpSpPr>
+        <p:cNvPr id="1" name=""/>
+        <p:cNvGrpSpPr/>
+        <p:nvPr/>
+      </p:nvGrpSpPr>
+      <p:grpSpPr>
+        <a:xfrm>
+          <a:off x="0" y="0"/>
+          <a:ext cx="0" cy="0"/>
+          <a:chOff x="0" y="0"/>
+          <a:chExt cx="0" cy="0"/>
+        </a:xfrm>
+      </p:grpSpPr>
+      <p:sp>
+        <p:nvSpPr>
+          <p:cNvPr id="2" name="Titre 1"/>
+          <p:cNvSpPr txBox="1">
+            <a:spLocks noGrp="1"/>
+          </p:cNvSpPr>
+          <p:nvPr>
+            <p:ph type="title"/>
+          </p:nvPr>
+        </p:nvSpPr>
+        <p:spPr>
+          <a:xfrm>
+            <a:off x="1141408" y="477838"/>
+            <a:ext cx="9905996" cy="1478566"/>
+          </a:xfrm>
+        </p:spPr>
+        <p:txBody>
+          <a:bodyPr/>
+          <a:lstStyle/>
+          <a:p>
+            <a:pPr lvl="0"/>
+            <a:r>
+              <a:rPr lang="fr-FR" sz="3200" dirty="0"/>
+              <a:t>Répartition des </a:t>
+            </a:r>
+            <a:r>
+              <a:rPr lang="fr-FR" sz="3200" dirty="0" smtClean="0"/>
+              <a:t>tâches</a:t>
+            </a:r>
+            <a:endParaRPr lang="en-US" sz="3200" dirty="0"/>
+          </a:p>
+        </p:txBody>
+      </p:sp>
+      <p:sp>
+        <p:nvSpPr>
+          <p:cNvPr id="3" name="Espace réservé du contenu 2"/>
+          <p:cNvSpPr txBox="1">
+            <a:spLocks noGrp="1"/>
+          </p:cNvSpPr>
+          <p:nvPr>
+            <p:ph idx="1"/>
+          </p:nvPr>
+        </p:nvSpPr>
+        <p:spPr>
+          <a:xfrm>
+            <a:off x="1141408" y="2108816"/>
+            <a:ext cx="9905996" cy="3541718"/>
+          </a:xfrm>
+        </p:spPr>
+        <p:txBody>
+          <a:bodyPr/>
+          <a:lstStyle/>
+          <a:p>
+            <a:pPr marL="0" lvl="0" indent="0">
+              <a:lnSpc>
+                <a:spcPct val="100000"/>
+              </a:lnSpc>
+              <a:buNone/>
+            </a:pPr>
+            <a:r>
+              <a:rPr lang="fr-FR" sz="2600" u="sng" dirty="0" smtClean="0"/>
+              <a:t>Front-end :</a:t>
+            </a:r>
+            <a:endParaRPr lang="fr-FR" sz="2600" dirty="0"/>
+          </a:p>
+          <a:p>
+            <a:pPr lvl="1">
+              <a:lnSpc>
+                <a:spcPct val="100000"/>
+              </a:lnSpc>
+            </a:pPr>
+            <a:r>
+              <a:rPr lang="fr-FR" dirty="0"/>
+              <a:t>Alexandre</a:t>
+            </a:r>
+          </a:p>
+          <a:p>
+            <a:pPr lvl="1">
+              <a:lnSpc>
+                <a:spcPct val="100000"/>
+              </a:lnSpc>
+            </a:pPr>
+            <a:r>
+              <a:rPr lang="fr-FR" dirty="0"/>
+              <a:t>Paul</a:t>
+            </a:r>
+          </a:p>
+          <a:p>
+            <a:pPr marL="0" lvl="0" indent="0">
+              <a:lnSpc>
+                <a:spcPct val="100000"/>
+              </a:lnSpc>
+              <a:buNone/>
+            </a:pPr>
+            <a:endParaRPr lang="fr-FR" sz="2200" dirty="0"/>
+          </a:p>
+          <a:p>
+            <a:pPr marL="0" lvl="0" indent="0">
+              <a:lnSpc>
+                <a:spcPct val="100000"/>
+              </a:lnSpc>
+              <a:buNone/>
+            </a:pPr>
+            <a:r>
+              <a:rPr lang="fr-FR" sz="2600" u="sng" dirty="0" smtClean="0"/>
+              <a:t>Back-end :</a:t>
+            </a:r>
+            <a:endParaRPr lang="fr-FR" sz="2600" dirty="0"/>
+          </a:p>
+          <a:p>
+            <a:pPr lvl="1">
+              <a:lnSpc>
+                <a:spcPct val="100000"/>
+              </a:lnSpc>
+            </a:pPr>
+            <a:r>
+              <a:rPr lang="fr-FR" dirty="0"/>
+              <a:t>Sarah </a:t>
+            </a:r>
+          </a:p>
+          <a:p>
+            <a:pPr lvl="1">
+              <a:lnSpc>
+                <a:spcPct val="100000"/>
+              </a:lnSpc>
+            </a:pPr>
+            <a:r>
+              <a:rPr lang="fr-FR" dirty="0"/>
+              <a:t>Abraham</a:t>
+            </a:r>
+            <a:endParaRPr lang="fr-FR" u="sng" dirty="0"/>
+          </a:p>
+        </p:txBody>
+      </p:sp>
+      <p:sp>
+        <p:nvSpPr>
+          <p:cNvPr id="4" name="Espace réservé du numéro de diapositive 3"/>
+          <p:cNvSpPr>
+            <a:spLocks noGrp="1"/>
+          </p:cNvSpPr>
+          <p:nvPr>
+            <p:ph type="sldNum" sz="quarter" idx="8"/>
+          </p:nvPr>
+        </p:nvSpPr>
+        <p:spPr/>
+        <p:txBody>
+          <a:bodyPr/>
+          <a:lstStyle/>
+          <a:p>
+            <a:pPr lvl="0"/>
+            <a:fld id="{92645754-4A08-47C9-A453-1F3542762462}" type="slidenum">
+              <a:rPr lang="en-US" smtClean="0"/>
+              <a:t>12</a:t>
+            </a:fld>
+            <a:endParaRPr lang="en-US" dirty="0"/>
+          </a:p>
+        </p:txBody>
+      </p:sp>
+    </p:spTree>
+  </p:cSld>
+  <p:clrMapOvr>
+    <a:masterClrMapping/>
+  </p:clrMapOvr>
+  <mc:AlternateContent xmlns:mc="http://schemas.openxmlformats.org/markup-compatibility/2006" xmlns:p14="http://schemas.microsoft.com/office/powerpoint/2010/main">
+    <mc:Choice Requires="p14">
+      <p:transition spd="slow" p14:dur="2000"/>
+    </mc:Choice>
+    <mc:Fallback xmlns="">
+      <p:transition spd="slow"/>
+    </mc:Fallback>
+  </mc:AlternateContent>
+  <p:timing>
+    <p:tnLst>
+      <p:par>
+        <p:cTn id="1" dur="indefinite" restart="never" nodeType="tmRoot"/>
+      </p:par>
+    </p:tnLst>
+  </p:timing>
+</p:sld>
+</file>
+
+<file path=ppt/slides/slide13.xml><?xml version="1.0" encoding="utf-8"?>
 <p:sld xmlns:a="http://schemas.openxmlformats.org/drawingml/2006/main" xmlns:r="http://schemas.openxmlformats.org/officeDocument/2006/relationships" xmlns:p="http://schemas.openxmlformats.org/presentationml/2006/main">
   <p:cSld name="Slide6">
     <p:spTree>
@@ -19248,11 +19624,7 @@
             </a:r>
             <a:r>
               <a:rPr lang="fr-FR" u="sng" dirty="0" smtClean="0"/>
-              <a:t>bloquants </a:t>
-            </a:r>
-            <a:r>
-              <a:rPr lang="fr-FR" u="sng" dirty="0" smtClean="0"/>
-              <a:t>:</a:t>
+              <a:t>bloquants :</a:t>
             </a:r>
           </a:p>
           <a:p>
@@ -19263,15 +19635,7 @@
             </a:pPr>
             <a:r>
               <a:rPr lang="fr-FR" sz="2400" dirty="0" smtClean="0"/>
-              <a:t>Liaison de la base de </a:t>
-            </a:r>
-            <a:r>
-              <a:rPr lang="fr-FR" sz="2400" dirty="0" smtClean="0"/>
-              <a:t>données </a:t>
-            </a:r>
-            <a:r>
-              <a:rPr lang="fr-FR" sz="2400" dirty="0" smtClean="0"/>
-              <a:t>vers le site</a:t>
+              <a:t>Liaison de la base de données vers le site</a:t>
             </a:r>
           </a:p>
           <a:p>
@@ -19282,16 +19646,24 @@
             </a:pPr>
             <a:r>
               <a:rPr lang="fr-FR" sz="2400" dirty="0" smtClean="0"/>
-              <a:t>Difficulté pour réaliser certaines </a:t>
+              <a:t>Difficulté pour réaliser certaines tâches en </a:t>
             </a:r>
             <a:r>
               <a:rPr lang="fr-FR" sz="2400" dirty="0" smtClean="0"/>
-              <a:t>tâches </a:t>
+              <a:t>PHP</a:t>
             </a:r>
+          </a:p>
+          <a:p>
+            <a:pPr lvl="1">
+              <a:lnSpc>
+                <a:spcPct val="70000"/>
+              </a:lnSpc>
+            </a:pPr>
             <a:r>
               <a:rPr lang="fr-FR" sz="2400" dirty="0" smtClean="0"/>
-              <a:t>en PHP</a:t>
+              <a:t>Manque de connaissances en JS</a:t>
             </a:r>
+            <a:endParaRPr lang="fr-FR" sz="2400" dirty="0" smtClean="0"/>
           </a:p>
           <a:p>
             <a:pPr lvl="1">
@@ -19411,7 +19783,7 @@
             <a:pPr lvl="0"/>
             <a:fld id="{92645754-4A08-47C9-A453-1F3542762462}" type="slidenum">
               <a:rPr lang="en-US" smtClean="0"/>
-              <a:t>11</a:t>
+              <a:t>13</a:t>
             </a:fld>
             <a:endParaRPr lang="en-US" dirty="0"/>
           </a:p>
@@ -19440,152 +19812,7 @@
 </p:sld>
 </file>
 
-<file path=ppt/slides/slide12.xml><?xml version="1.0" encoding="utf-8"?>
-<p:sld xmlns:a="http://schemas.openxmlformats.org/drawingml/2006/main" xmlns:r="http://schemas.openxmlformats.org/officeDocument/2006/relationships" xmlns:p="http://schemas.openxmlformats.org/presentationml/2006/main">
-  <p:cSld>
-    <p:spTree>
-      <p:nvGrpSpPr>
-        <p:cNvPr id="1" name=""/>
-        <p:cNvGrpSpPr/>
-        <p:nvPr/>
-      </p:nvGrpSpPr>
-      <p:grpSpPr>
-        <a:xfrm>
-          <a:off x="0" y="0"/>
-          <a:ext cx="0" cy="0"/>
-          <a:chOff x="0" y="0"/>
-          <a:chExt cx="0" cy="0"/>
-        </a:xfrm>
-      </p:grpSpPr>
-      <p:sp>
-        <p:nvSpPr>
-          <p:cNvPr id="3" name="Espace réservé du contenu 2"/>
-          <p:cNvSpPr>
-            <a:spLocks noGrp="1"/>
-          </p:cNvSpPr>
-          <p:nvPr>
-            <p:ph idx="1"/>
-          </p:nvPr>
-        </p:nvSpPr>
-        <p:spPr>
-          <a:xfrm>
-            <a:off x="1141408" y="1143000"/>
-            <a:ext cx="9905996" cy="4985238"/>
-          </a:xfrm>
-        </p:spPr>
-        <p:txBody>
-          <a:bodyPr/>
-          <a:lstStyle/>
-          <a:p>
-            <a:pPr marL="0" indent="0">
-              <a:buNone/>
-            </a:pPr>
-            <a:r>
-              <a:rPr lang="fr-FR" u="sng" dirty="0" smtClean="0"/>
-              <a:t>État d’avancement du projet :</a:t>
-            </a:r>
-          </a:p>
-          <a:p>
-            <a:pPr marL="0" indent="0">
-              <a:buNone/>
-            </a:pPr>
-            <a:endParaRPr lang="fr-FR" u="sng" dirty="0" smtClean="0"/>
-          </a:p>
-          <a:p>
-            <a:pPr lvl="1"/>
-            <a:r>
-              <a:rPr lang="fr-FR" sz="2400" dirty="0" smtClean="0"/>
-              <a:t>Les différentes pages sont reliées à la base de </a:t>
-            </a:r>
-            <a:r>
-              <a:rPr lang="fr-FR" sz="2400" dirty="0" smtClean="0"/>
-              <a:t>données</a:t>
-            </a:r>
-            <a:endParaRPr lang="fr-FR" sz="2400" dirty="0" smtClean="0"/>
-          </a:p>
-          <a:p>
-            <a:pPr lvl="1"/>
-            <a:r>
-              <a:rPr lang="fr-FR" sz="2400" dirty="0" smtClean="0"/>
-              <a:t>Plusieurs utilisateurs peuvent se connecter sur le site</a:t>
-            </a:r>
-          </a:p>
-          <a:p>
-            <a:pPr lvl="1"/>
-            <a:r>
-              <a:rPr lang="fr-FR" sz="2400" dirty="0" smtClean="0"/>
-              <a:t>Utiliser un panier</a:t>
-            </a:r>
-          </a:p>
-          <a:p>
-            <a:pPr lvl="1"/>
-            <a:r>
-              <a:rPr lang="fr-FR" sz="2400" dirty="0" smtClean="0"/>
-              <a:t>Les utilisateurs peuvent modifier leur mot de passe</a:t>
-            </a:r>
-          </a:p>
-          <a:p>
-            <a:pPr lvl="1"/>
-            <a:r>
-              <a:rPr lang="fr-FR" sz="2400" dirty="0" smtClean="0"/>
-              <a:t>Possibilité de contacter le service</a:t>
-            </a:r>
-          </a:p>
-        </p:txBody>
-      </p:sp>
-      <p:sp>
-        <p:nvSpPr>
-          <p:cNvPr id="4" name="Espace réservé du numéro de diapositive 3"/>
-          <p:cNvSpPr>
-            <a:spLocks noGrp="1"/>
-          </p:cNvSpPr>
-          <p:nvPr>
-            <p:ph type="sldNum" sz="quarter" idx="8"/>
-          </p:nvPr>
-        </p:nvSpPr>
-        <p:spPr/>
-        <p:txBody>
-          <a:bodyPr/>
-          <a:lstStyle/>
-          <a:p>
-            <a:pPr lvl="0"/>
-            <a:fld id="{92645754-4A08-47C9-A453-1F3542762462}" type="slidenum">
-              <a:rPr lang="en-US" smtClean="0"/>
-              <a:t>12</a:t>
-            </a:fld>
-            <a:endParaRPr lang="en-US" dirty="0"/>
-          </a:p>
-        </p:txBody>
-      </p:sp>
-    </p:spTree>
-    <p:extLst>
-      <p:ext uri="{BB962C8B-B14F-4D97-AF65-F5344CB8AC3E}">
-        <p14:creationId xmlns:p14="http://schemas.microsoft.com/office/powerpoint/2010/main" val="396879612"/>
-      </p:ext>
-    </p:extLst>
-  </p:cSld>
-  <p:clrMapOvr>
-    <a:masterClrMapping/>
-  </p:clrMapOvr>
-  <mc:AlternateContent xmlns:mc="http://schemas.openxmlformats.org/markup-compatibility/2006" xmlns:p14="http://schemas.microsoft.com/office/powerpoint/2010/main">
-    <mc:Choice Requires="p14">
-      <p:transition spd="slow" p14:dur="2000"/>
-    </mc:Choice>
-    <mc:Fallback xmlns="">
-      <p:transition spd="slow"/>
-    </mc:Fallback>
-  </mc:AlternateContent>
-  <p:timing>
-    <p:tnLst>
-      <p:par>
-        <p:cTn id="1" dur="indefinite" restart="never" nodeType="tmRoot"/>
-      </p:par>
-    </p:tnLst>
-  </p:timing>
-</p:sld>
-</file>
-
-<file path=ppt/slides/slide13.xml><?xml version="1.0" encoding="utf-8"?>
+<file path=ppt/slides/slide14.xml><?xml version="1.0" encoding="utf-8"?>
 <p:sld xmlns:a="http://schemas.openxmlformats.org/drawingml/2006/main" xmlns:r="http://schemas.openxmlformats.org/officeDocument/2006/relationships" xmlns:p="http://schemas.openxmlformats.org/presentationml/2006/main">
   <p:cSld>
     <p:spTree>
@@ -19652,11 +19879,7 @@
             </a:pPr>
             <a:r>
               <a:rPr lang="fr-FR" dirty="0" smtClean="0"/>
-              <a:t>Ce projet nous a permis d’approfondir nos compétences en travail </a:t>
-            </a:r>
-            <a:r>
-              <a:rPr lang="fr-FR" dirty="0" smtClean="0"/>
-              <a:t>d’équipe</a:t>
+              <a:t>Ce projet nous a permis d’approfondir nos compétences en travail d’équipe</a:t>
             </a:r>
             <a:r>
               <a:rPr lang="fr-FR" dirty="0"/>
@@ -19695,7 +19918,7 @@
             <a:pPr lvl="0"/>
             <a:fld id="{92645754-4A08-47C9-A453-1F3542762462}" type="slidenum">
               <a:rPr lang="en-US" smtClean="0"/>
-              <a:t>13</a:t>
+              <a:t>14</a:t>
             </a:fld>
             <a:endParaRPr lang="en-US" dirty="0"/>
           </a:p>
@@ -19815,18 +20038,31 @@
           </a:xfrm>
         </p:spPr>
         <p:txBody>
-          <a:bodyPr/>
+          <a:bodyPr>
+            <a:normAutofit/>
+          </a:bodyPr>
           <a:lstStyle/>
+          <a:p>
+            <a:r>
+              <a:rPr lang="fr-FR" dirty="0"/>
+              <a:t>Présentation du </a:t>
+            </a:r>
+            <a:r>
+              <a:rPr lang="fr-FR" dirty="0" smtClean="0"/>
+              <a:t>projet</a:t>
+            </a:r>
+          </a:p>
           <a:p>
             <a:pPr lvl="0"/>
             <a:r>
               <a:rPr lang="fr-FR" dirty="0"/>
-              <a:t>Présentation de </a:t>
+              <a:t>Présentation </a:t>
             </a:r>
             <a:r>
-              <a:rPr lang="fr-FR" dirty="0" smtClean="0"/>
-              <a:t>l’équipe</a:t>
+              <a:rPr lang="fr-FR" smtClean="0"/>
+              <a:t>de l’équipe</a:t>
             </a:r>
+            <a:endParaRPr lang="fr-FR" dirty="0"/>
           </a:p>
           <a:p>
             <a:pPr lvl="0"/>
@@ -19835,13 +20071,6 @@
               <a:t>Répartition des tâches</a:t>
             </a:r>
             <a:endParaRPr lang="fr-FR" dirty="0"/>
-          </a:p>
-          <a:p>
-            <a:pPr lvl="0"/>
-            <a:r>
-              <a:rPr lang="fr-FR" dirty="0"/>
-              <a:t>Présentation du projet</a:t>
-            </a:r>
           </a:p>
           <a:p>
             <a:pPr lvl="0"/>
@@ -19926,399 +20155,6 @@
 </file>
 
 <file path=ppt/slides/slide3.xml><?xml version="1.0" encoding="utf-8"?>
-<p:sld xmlns:a="http://schemas.openxmlformats.org/drawingml/2006/main" xmlns:r="http://schemas.openxmlformats.org/officeDocument/2006/relationships" xmlns:p="http://schemas.openxmlformats.org/presentationml/2006/main">
-  <p:cSld name="Slide3">
-    <p:spTree>
-      <p:nvGrpSpPr>
-        <p:cNvPr id="1" name=""/>
-        <p:cNvGrpSpPr/>
-        <p:nvPr/>
-      </p:nvGrpSpPr>
-      <p:grpSpPr>
-        <a:xfrm>
-          <a:off x="0" y="0"/>
-          <a:ext cx="0" cy="0"/>
-          <a:chOff x="0" y="0"/>
-          <a:chExt cx="0" cy="0"/>
-        </a:xfrm>
-      </p:grpSpPr>
-      <p:sp>
-        <p:nvSpPr>
-          <p:cNvPr id="2" name="Title 1"/>
-          <p:cNvSpPr txBox="1">
-            <a:spLocks noGrp="1"/>
-          </p:cNvSpPr>
-          <p:nvPr>
-            <p:ph type="title"/>
-          </p:nvPr>
-        </p:nvSpPr>
-        <p:spPr/>
-        <p:txBody>
-          <a:bodyPr/>
-          <a:lstStyle/>
-          <a:p>
-            <a:pPr lvl="0"/>
-            <a:r>
-              <a:rPr lang="fr-FR" b="1" u="sng" cap="none" dirty="0">
-                <a:effectLst>
-                  <a:outerShdw dist="38096" dir="2700000">
-                    <a:srgbClr val="49D1CD"/>
-                  </a:outerShdw>
-                </a:effectLst>
-                <a:latin typeface="Calibri"/>
-              </a:rPr>
-              <a:t>Présentation</a:t>
-            </a:r>
-            <a:r>
-              <a:rPr lang="en-US" b="1" u="sng" cap="none" dirty="0">
-                <a:effectLst>
-                  <a:outerShdw dist="38096" dir="2700000">
-                    <a:srgbClr val="49D1CD"/>
-                  </a:outerShdw>
-                </a:effectLst>
-                <a:latin typeface="Calibri"/>
-              </a:rPr>
-              <a:t> de </a:t>
-            </a:r>
-            <a:r>
-              <a:rPr lang="fr-FR" b="1" u="sng" cap="none" dirty="0">
-                <a:effectLst>
-                  <a:outerShdw dist="38096" dir="2700000">
-                    <a:srgbClr val="49D1CD"/>
-                  </a:outerShdw>
-                </a:effectLst>
-                <a:latin typeface="Calibri"/>
-              </a:rPr>
-              <a:t>l’équipe</a:t>
-            </a:r>
-            <a:r>
-              <a:rPr lang="en-US" b="1" cap="none" dirty="0">
-                <a:effectLst>
-                  <a:outerShdw dist="38096" dir="2700000">
-                    <a:srgbClr val="49D1CD"/>
-                  </a:outerShdw>
-                </a:effectLst>
-                <a:latin typeface="Calibri"/>
-              </a:rPr>
-              <a:t/>
-            </a:r>
-            <a:br>
-              <a:rPr lang="en-US" b="1" cap="none" dirty="0">
-                <a:effectLst>
-                  <a:outerShdw dist="38096" dir="2700000">
-                    <a:srgbClr val="49D1CD"/>
-                  </a:outerShdw>
-                </a:effectLst>
-                <a:latin typeface="Calibri"/>
-              </a:rPr>
-            </a:br>
-            <a:endParaRPr lang="en-US" dirty="0"/>
-          </a:p>
-        </p:txBody>
-      </p:sp>
-      <p:sp>
-        <p:nvSpPr>
-          <p:cNvPr id="3" name="Content Placeholder 2"/>
-          <p:cNvSpPr txBox="1">
-            <a:spLocks noGrp="1"/>
-          </p:cNvSpPr>
-          <p:nvPr>
-            <p:ph idx="1"/>
-          </p:nvPr>
-        </p:nvSpPr>
-        <p:spPr>
-          <a:xfrm>
-            <a:off x="1141408" y="2341559"/>
-            <a:ext cx="9905996" cy="3541718"/>
-          </a:xfrm>
-        </p:spPr>
-        <p:txBody>
-          <a:bodyPr/>
-          <a:lstStyle/>
-          <a:p>
-            <a:pPr lvl="0"/>
-            <a:r>
-              <a:rPr lang="fr-FR" dirty="0"/>
-              <a:t>Sarah Gumaa</a:t>
-            </a:r>
-          </a:p>
-          <a:p>
-            <a:pPr lvl="0"/>
-            <a:r>
-              <a:rPr lang="fr-FR" dirty="0"/>
-              <a:t>Abraham Ibo</a:t>
-            </a:r>
-          </a:p>
-          <a:p>
-            <a:pPr lvl="0"/>
-            <a:r>
-              <a:rPr lang="fr-FR" dirty="0"/>
-              <a:t>Alexandre Normand</a:t>
-            </a:r>
-          </a:p>
-          <a:p>
-            <a:pPr lvl="0"/>
-            <a:r>
-              <a:rPr lang="en-US" dirty="0"/>
-              <a:t>Paul Gon</a:t>
-            </a:r>
-            <a:r>
-              <a:rPr lang="fr-FR" dirty="0"/>
-              <a:t>ç</a:t>
-            </a:r>
-            <a:r>
-              <a:rPr lang="en-US" dirty="0"/>
-              <a:t>alves</a:t>
-            </a:r>
-          </a:p>
-        </p:txBody>
-      </p:sp>
-      <p:sp>
-        <p:nvSpPr>
-          <p:cNvPr id="4" name="Espace réservé du numéro de diapositive 3"/>
-          <p:cNvSpPr>
-            <a:spLocks noGrp="1"/>
-          </p:cNvSpPr>
-          <p:nvPr>
-            <p:ph type="sldNum" sz="quarter" idx="8"/>
-          </p:nvPr>
-        </p:nvSpPr>
-        <p:spPr/>
-        <p:txBody>
-          <a:bodyPr/>
-          <a:lstStyle/>
-          <a:p>
-            <a:pPr lvl="0"/>
-            <a:fld id="{92645754-4A08-47C9-A453-1F3542762462}" type="slidenum">
-              <a:rPr lang="en-US" smtClean="0"/>
-              <a:t>3</a:t>
-            </a:fld>
-            <a:endParaRPr lang="en-US" dirty="0"/>
-          </a:p>
-        </p:txBody>
-      </p:sp>
-    </p:spTree>
-  </p:cSld>
-  <p:clrMapOvr>
-    <a:masterClrMapping/>
-  </p:clrMapOvr>
-  <mc:AlternateContent xmlns:mc="http://schemas.openxmlformats.org/markup-compatibility/2006" xmlns:p14="http://schemas.microsoft.com/office/powerpoint/2010/main">
-    <mc:Choice Requires="p14">
-      <p:transition spd="slow" p14:dur="2000"/>
-    </mc:Choice>
-    <mc:Fallback xmlns="">
-      <p:transition spd="slow"/>
-    </mc:Fallback>
-  </mc:AlternateContent>
-  <p:timing>
-    <p:tnLst>
-      <p:par>
-        <p:cTn id="1" dur="indefinite" restart="never" nodeType="tmRoot"/>
-      </p:par>
-    </p:tnLst>
-  </p:timing>
-</p:sld>
-</file>
-
-<file path=ppt/slides/slide4.xml><?xml version="1.0" encoding="utf-8"?>
-<p:sld xmlns:a="http://schemas.openxmlformats.org/drawingml/2006/main" xmlns:r="http://schemas.openxmlformats.org/officeDocument/2006/relationships" xmlns:p="http://schemas.openxmlformats.org/presentationml/2006/main">
-  <p:cSld name="Slide11">
-    <p:spTree>
-      <p:nvGrpSpPr>
-        <p:cNvPr id="1" name=""/>
-        <p:cNvGrpSpPr/>
-        <p:nvPr/>
-      </p:nvGrpSpPr>
-      <p:grpSpPr>
-        <a:xfrm>
-          <a:off x="0" y="0"/>
-          <a:ext cx="0" cy="0"/>
-          <a:chOff x="0" y="0"/>
-          <a:chExt cx="0" cy="0"/>
-        </a:xfrm>
-      </p:grpSpPr>
-      <p:sp>
-        <p:nvSpPr>
-          <p:cNvPr id="2" name="Titre 1"/>
-          <p:cNvSpPr txBox="1">
-            <a:spLocks noGrp="1"/>
-          </p:cNvSpPr>
-          <p:nvPr>
-            <p:ph type="title"/>
-          </p:nvPr>
-        </p:nvSpPr>
-        <p:spPr>
-          <a:xfrm>
-            <a:off x="1141408" y="477838"/>
-            <a:ext cx="9905996" cy="1478566"/>
-          </a:xfrm>
-        </p:spPr>
-        <p:txBody>
-          <a:bodyPr/>
-          <a:lstStyle/>
-          <a:p>
-            <a:pPr lvl="0"/>
-            <a:r>
-              <a:rPr lang="fr-FR" sz="3200" dirty="0"/>
-              <a:t>Répartition des </a:t>
-            </a:r>
-            <a:r>
-              <a:rPr lang="fr-FR" sz="3200" dirty="0" smtClean="0"/>
-              <a:t>tâches</a:t>
-            </a:r>
-            <a:endParaRPr lang="en-US" sz="3200" dirty="0"/>
-          </a:p>
-        </p:txBody>
-      </p:sp>
-      <p:sp>
-        <p:nvSpPr>
-          <p:cNvPr id="3" name="Espace réservé du contenu 2"/>
-          <p:cNvSpPr txBox="1">
-            <a:spLocks noGrp="1"/>
-          </p:cNvSpPr>
-          <p:nvPr>
-            <p:ph idx="1"/>
-          </p:nvPr>
-        </p:nvSpPr>
-        <p:spPr>
-          <a:xfrm>
-            <a:off x="1141408" y="2108816"/>
-            <a:ext cx="9905996" cy="3541718"/>
-          </a:xfrm>
-        </p:spPr>
-        <p:txBody>
-          <a:bodyPr/>
-          <a:lstStyle/>
-          <a:p>
-            <a:pPr marL="0" lvl="0" indent="0">
-              <a:lnSpc>
-                <a:spcPct val="100000"/>
-              </a:lnSpc>
-              <a:buNone/>
-            </a:pPr>
-            <a:r>
-              <a:rPr lang="fr-FR" sz="2600" u="sng" dirty="0" smtClean="0"/>
-              <a:t>Front-end :</a:t>
-            </a:r>
-            <a:endParaRPr lang="fr-FR" sz="2600" dirty="0"/>
-          </a:p>
-          <a:p>
-            <a:pPr lvl="1">
-              <a:lnSpc>
-                <a:spcPct val="100000"/>
-              </a:lnSpc>
-            </a:pPr>
-            <a:r>
-              <a:rPr lang="fr-FR" dirty="0"/>
-              <a:t>Alexandre</a:t>
-            </a:r>
-          </a:p>
-          <a:p>
-            <a:pPr lvl="1">
-              <a:lnSpc>
-                <a:spcPct val="100000"/>
-              </a:lnSpc>
-            </a:pPr>
-            <a:r>
-              <a:rPr lang="fr-FR" dirty="0"/>
-              <a:t>Paul</a:t>
-            </a:r>
-          </a:p>
-          <a:p>
-            <a:pPr marL="0" lvl="0" indent="0">
-              <a:lnSpc>
-                <a:spcPct val="100000"/>
-              </a:lnSpc>
-              <a:buNone/>
-            </a:pPr>
-            <a:endParaRPr lang="fr-FR" sz="2200" dirty="0"/>
-          </a:p>
-          <a:p>
-            <a:pPr marL="0" lvl="0" indent="0">
-              <a:lnSpc>
-                <a:spcPct val="100000"/>
-              </a:lnSpc>
-              <a:buNone/>
-            </a:pPr>
-            <a:r>
-              <a:rPr lang="fr-FR" sz="2600" u="sng" dirty="0" smtClean="0"/>
-              <a:t>Back-end :</a:t>
-            </a:r>
-            <a:endParaRPr lang="fr-FR" sz="2600" dirty="0"/>
-          </a:p>
-          <a:p>
-            <a:pPr lvl="1">
-              <a:lnSpc>
-                <a:spcPct val="100000"/>
-              </a:lnSpc>
-            </a:pPr>
-            <a:r>
-              <a:rPr lang="fr-FR" dirty="0"/>
-              <a:t>Sarah </a:t>
-            </a:r>
-          </a:p>
-          <a:p>
-            <a:pPr lvl="1">
-              <a:lnSpc>
-                <a:spcPct val="100000"/>
-              </a:lnSpc>
-            </a:pPr>
-            <a:r>
-              <a:rPr lang="fr-FR" dirty="0"/>
-              <a:t>Abraham</a:t>
-            </a:r>
-            <a:endParaRPr lang="fr-FR" u="sng" dirty="0"/>
-          </a:p>
-        </p:txBody>
-      </p:sp>
-      <p:sp>
-        <p:nvSpPr>
-          <p:cNvPr id="4" name="Espace réservé du numéro de diapositive 3"/>
-          <p:cNvSpPr>
-            <a:spLocks noGrp="1"/>
-          </p:cNvSpPr>
-          <p:nvPr>
-            <p:ph type="sldNum" sz="quarter" idx="8"/>
-          </p:nvPr>
-        </p:nvSpPr>
-        <p:spPr/>
-        <p:txBody>
-          <a:bodyPr/>
-          <a:lstStyle/>
-          <a:p>
-            <a:pPr lvl="0"/>
-            <a:fld id="{92645754-4A08-47C9-A453-1F3542762462}" type="slidenum">
-              <a:rPr lang="en-US" smtClean="0"/>
-              <a:t>4</a:t>
-            </a:fld>
-            <a:endParaRPr lang="en-US" dirty="0"/>
-          </a:p>
-        </p:txBody>
-      </p:sp>
-    </p:spTree>
-  </p:cSld>
-  <p:clrMapOvr>
-    <a:masterClrMapping/>
-  </p:clrMapOvr>
-  <mc:AlternateContent xmlns:mc="http://schemas.openxmlformats.org/markup-compatibility/2006" xmlns:p14="http://schemas.microsoft.com/office/powerpoint/2010/main">
-    <mc:Choice Requires="p14">
-      <p:transition spd="slow" p14:dur="2000"/>
-    </mc:Choice>
-    <mc:Fallback xmlns="">
-      <p:transition spd="slow"/>
-    </mc:Fallback>
-  </mc:AlternateContent>
-  <p:timing>
-    <p:tnLst>
-      <p:par>
-        <p:cTn id="1" dur="indefinite" restart="never" nodeType="tmRoot"/>
-      </p:par>
-    </p:tnLst>
-  </p:timing>
-</p:sld>
-</file>
-
-<file path=ppt/slides/slide5.xml><?xml version="1.0" encoding="utf-8"?>
 <p:sld xmlns:a="http://schemas.openxmlformats.org/drawingml/2006/main" xmlns:r="http://schemas.openxmlformats.org/officeDocument/2006/relationships" xmlns:p="http://schemas.openxmlformats.org/presentationml/2006/main">
   <p:cSld name="Slide4">
     <p:spTree>
@@ -20461,7 +20297,7 @@
             <a:pPr lvl="0"/>
             <a:fld id="{92645754-4A08-47C9-A453-1F3542762462}" type="slidenum">
               <a:rPr lang="en-US" smtClean="0"/>
-              <a:t>5</a:t>
+              <a:t>3</a:t>
             </a:fld>
             <a:endParaRPr lang="en-US" dirty="0"/>
           </a:p>
@@ -20490,7 +20326,7 @@
 </p:sld>
 </file>
 
-<file path=ppt/slides/slide6.xml><?xml version="1.0" encoding="utf-8"?>
+<file path=ppt/slides/slide4.xml><?xml version="1.0" encoding="utf-8"?>
 <p:sld xmlns:a="http://schemas.openxmlformats.org/drawingml/2006/main" xmlns:r="http://schemas.openxmlformats.org/officeDocument/2006/relationships" xmlns:p="http://schemas.openxmlformats.org/presentationml/2006/main">
   <p:cSld>
     <p:spTree>
@@ -20524,75 +20360,131 @@
           </a:xfrm>
         </p:spPr>
         <p:txBody>
-          <a:bodyPr/>
+          <a:bodyPr>
+            <a:normAutofit fontScale="85000" lnSpcReduction="20000"/>
+          </a:bodyPr>
           <a:lstStyle/>
-          <a:p>
-            <a:pPr marL="0" indent="0">
-              <a:buNone/>
-            </a:pPr>
-            <a:r>
-              <a:rPr lang="fr-FR" sz="3200" smtClean="0"/>
-              <a:t>Langages </a:t>
-            </a:r>
-            <a:r>
-              <a:rPr lang="fr-FR" sz="3200" smtClean="0"/>
-              <a:t>utilisés </a:t>
-            </a:r>
-            <a:r>
-              <a:rPr lang="fr-FR" sz="3200" dirty="0" smtClean="0"/>
-              <a:t>: </a:t>
-            </a:r>
-          </a:p>
-          <a:p>
-            <a:pPr lvl="1"/>
-            <a:r>
-              <a:rPr lang="fr-FR" dirty="0" smtClean="0"/>
-              <a:t>HTML, CSS</a:t>
-            </a:r>
-          </a:p>
-          <a:p>
-            <a:pPr lvl="1"/>
-            <a:r>
-              <a:rPr lang="fr-FR" dirty="0" smtClean="0"/>
-              <a:t>PHP</a:t>
-            </a:r>
-          </a:p>
-          <a:p>
-            <a:pPr lvl="1"/>
-            <a:r>
-              <a:rPr lang="fr-FR" dirty="0" smtClean="0"/>
-              <a:t>SQL</a:t>
-            </a:r>
-          </a:p>
-          <a:p>
-            <a:pPr lvl="1"/>
-            <a:endParaRPr lang="fr-FR" dirty="0" smtClean="0"/>
-          </a:p>
-          <a:p>
-            <a:pPr lvl="1"/>
-            <a:endParaRPr lang="fr-FR" dirty="0" smtClean="0"/>
-          </a:p>
           <a:p>
             <a:pPr marL="0" indent="0">
               <a:buNone/>
             </a:pPr>
             <a:r>
               <a:rPr lang="fr-FR" sz="3200" dirty="0" smtClean="0"/>
-              <a:t>Framework :</a:t>
+              <a:t>Langages utilisés : </a:t>
             </a:r>
+            <a:endParaRPr lang="fr-FR" sz="3200" dirty="0" smtClean="0"/>
           </a:p>
           <a:p>
             <a:pPr lvl="1"/>
             <a:r>
-              <a:rPr lang="fr-FR" sz="2400" dirty="0" smtClean="0"/>
+              <a:rPr lang="fr-FR" sz="2600" dirty="0" smtClean="0"/>
+              <a:t>HTML</a:t>
+            </a:r>
+            <a:r>
+              <a:rPr lang="fr-FR" sz="2600" dirty="0" smtClean="0"/>
+              <a:t>, </a:t>
+            </a:r>
+            <a:r>
+              <a:rPr lang="fr-FR" sz="2600" dirty="0" smtClean="0"/>
+              <a:t>CSS</a:t>
+            </a:r>
+          </a:p>
+          <a:p>
+            <a:pPr lvl="1"/>
+            <a:r>
+              <a:rPr lang="fr-FR" sz="2600" dirty="0" smtClean="0"/>
+              <a:t>PHP</a:t>
+            </a:r>
+            <a:endParaRPr lang="fr-FR" sz="2600" dirty="0" smtClean="0"/>
+          </a:p>
+          <a:p>
+            <a:pPr lvl="1"/>
+            <a:r>
+              <a:rPr lang="fr-FR" sz="2600" dirty="0" smtClean="0"/>
+              <a:t>SQL</a:t>
+            </a:r>
+            <a:endParaRPr lang="fr-FR" sz="2600" dirty="0" smtClean="0"/>
+          </a:p>
+          <a:p>
+            <a:pPr marL="0" lvl="1" indent="0">
+              <a:spcBef>
+                <a:spcPts val="1000"/>
+              </a:spcBef>
+              <a:buNone/>
+            </a:pPr>
+            <a:r>
+              <a:rPr lang="fr-FR" sz="3200" dirty="0" smtClean="0"/>
+              <a:t>Logiciel </a:t>
+            </a:r>
+            <a:r>
+              <a:rPr lang="fr-FR" sz="3200" dirty="0"/>
+              <a:t>utilisés</a:t>
+            </a:r>
+            <a:r>
+              <a:rPr lang="fr-FR" dirty="0"/>
+              <a:t> </a:t>
+            </a:r>
+            <a:r>
+              <a:rPr lang="fr-FR" dirty="0" smtClean="0"/>
+              <a:t>:</a:t>
+            </a:r>
+            <a:endParaRPr lang="fr-FR" sz="3200" dirty="0"/>
+          </a:p>
+          <a:p>
+            <a:pPr marL="800100" lvl="2" indent="-342900">
+              <a:spcBef>
+                <a:spcPts val="1000"/>
+              </a:spcBef>
+            </a:pPr>
+            <a:r>
+              <a:rPr lang="fr-FR" sz="2600" dirty="0">
+                <a:latin typeface="Tw Cen MT" panose="020B0602020104020603" pitchFamily="34" charset="0"/>
+              </a:rPr>
+              <a:t>Bracket</a:t>
+            </a:r>
+          </a:p>
+          <a:p>
+            <a:pPr marL="800100" lvl="2" indent="-342900">
+              <a:spcBef>
+                <a:spcPts val="1000"/>
+              </a:spcBef>
+            </a:pPr>
+            <a:r>
+              <a:rPr lang="fr-FR" sz="2600" dirty="0"/>
+              <a:t>Wampserver</a:t>
+            </a:r>
+          </a:p>
+          <a:p>
+            <a:pPr marL="0" lvl="1" indent="0">
+              <a:spcBef>
+                <a:spcPts val="1000"/>
+              </a:spcBef>
+              <a:buNone/>
+            </a:pPr>
+            <a:endParaRPr lang="fr-FR" dirty="0" smtClean="0"/>
+          </a:p>
+          <a:p>
+            <a:pPr marL="0" lvl="1" indent="0">
+              <a:spcBef>
+                <a:spcPts val="1000"/>
+              </a:spcBef>
+              <a:buNone/>
+            </a:pPr>
+            <a:r>
+              <a:rPr lang="fr-FR" sz="3200" dirty="0" smtClean="0"/>
+              <a:t>Framework:</a:t>
+            </a:r>
+          </a:p>
+          <a:p>
+            <a:pPr marL="914400" lvl="2" indent="-457200">
+              <a:spcBef>
+                <a:spcPts val="1000"/>
+              </a:spcBef>
+            </a:pPr>
+            <a:r>
+              <a:rPr lang="fr-FR" sz="2800" dirty="0" smtClean="0"/>
               <a:t>Bootstrap</a:t>
             </a:r>
-          </a:p>
-          <a:p>
-            <a:pPr marL="0" indent="0">
-              <a:buNone/>
-            </a:pPr>
-            <a:endParaRPr lang="fr-FR" dirty="0"/>
           </a:p>
         </p:txBody>
       </p:sp>
@@ -20614,7 +20506,7 @@
             <a:pPr lvl="0"/>
             <a:fld id="{9DE62F9D-26E8-4FCA-833B-3CBE401BD261}" type="slidenum">
               <a:rPr lang="en-US" smtClean="0"/>
-              <a:t>6</a:t>
+              <a:t>4</a:t>
             </a:fld>
             <a:endParaRPr lang="en-US" dirty="0"/>
           </a:p>
@@ -20648,7 +20540,7 @@
 </p:sld>
 </file>
 
-<file path=ppt/slides/slide7.xml><?xml version="1.0" encoding="utf-8"?>
+<file path=ppt/slides/slide5.xml><?xml version="1.0" encoding="utf-8"?>
 <p:sld xmlns:a="http://schemas.openxmlformats.org/drawingml/2006/main" xmlns:r="http://schemas.openxmlformats.org/officeDocument/2006/relationships" xmlns:p="http://schemas.openxmlformats.org/presentationml/2006/main">
   <p:cSld name="Slide7">
     <p:spTree>
@@ -20732,8 +20624,13 @@
             </a:pPr>
             <a:r>
               <a:rPr lang="fr-FR" dirty="0" smtClean="0"/>
-              <a:t>Les pages Accueil, A Propos, Contact, Mon Compte, Informatique, Meubles</a:t>
+              <a:t>Les pages Accueil, A Propos, Contact, Mon Compte, </a:t>
             </a:r>
+            <a:r>
+              <a:rPr lang="fr-FR" dirty="0" smtClean="0"/>
+              <a:t>Catégories</a:t>
+            </a:r>
+            <a:endParaRPr lang="fr-FR" dirty="0" smtClean="0"/>
           </a:p>
           <a:p>
             <a:pPr lvl="1">
@@ -20782,7 +20679,7 @@
             <a:pPr lvl="0"/>
             <a:fld id="{FC58373E-BBBD-4267-B7B4-E9F599CBBEC0}" type="slidenum">
               <a:rPr lang="en-US" smtClean="0"/>
-              <a:t>7</a:t>
+              <a:t>5</a:t>
             </a:fld>
             <a:endParaRPr lang="en-US" dirty="0"/>
           </a:p>
@@ -20811,7 +20708,7 @@
 </p:sld>
 </file>
 
-<file path=ppt/slides/slide8.xml><?xml version="1.0" encoding="utf-8"?>
+<file path=ppt/slides/slide6.xml><?xml version="1.0" encoding="utf-8"?>
 <p:sld xmlns:a="http://schemas.openxmlformats.org/drawingml/2006/main" xmlns:r="http://schemas.openxmlformats.org/officeDocument/2006/relationships" xmlns:p="http://schemas.openxmlformats.org/presentationml/2006/main">
   <p:cSld name="Slide9">
     <p:spTree>
@@ -20901,7 +20798,7 @@
             <a:pPr lvl="0"/>
             <a:fld id="{92645754-4A08-47C9-A453-1F3542762462}" type="slidenum">
               <a:rPr lang="en-US" smtClean="0"/>
-              <a:t>8</a:t>
+              <a:t>6</a:t>
             </a:fld>
             <a:endParaRPr lang="en-US" dirty="0"/>
           </a:p>
@@ -20930,7 +20827,7 @@
 </p:sld>
 </file>
 
-<file path=ppt/slides/slide9.xml><?xml version="1.0" encoding="utf-8"?>
+<file path=ppt/slides/slide7.xml><?xml version="1.0" encoding="utf-8"?>
 <p:sld xmlns:a="http://schemas.openxmlformats.org/drawingml/2006/main" xmlns:r="http://schemas.openxmlformats.org/officeDocument/2006/relationships" xmlns:p="http://schemas.openxmlformats.org/presentationml/2006/main">
   <p:cSld name="Slide12">
     <p:spTree>
@@ -20982,7 +20879,7 @@
           <p:cNvPr id="3" name="Espace réservé du contenu 3">
             <a:extLst>
               <a:ext uri="{FF2B5EF4-FFF2-40B4-BE49-F238E27FC236}">
-                <a16:creationId xmlns:a16="http://schemas.microsoft.com/office/drawing/2014/main" id="{00000000-0000-0000-0000-000000000000}"/>
+                <a16:creationId xmlns="" xmlns:a16="http://schemas.microsoft.com/office/drawing/2014/main" id="{00000000-0000-0000-0000-000000000000}"/>
               </a:ext>
             </a:extLst>
           </p:cNvPr>
@@ -21023,6 +20920,284 @@
           <a:p>
             <a:pPr lvl="0"/>
             <a:fld id="{92645754-4A08-47C9-A453-1F3542762462}" type="slidenum">
+              <a:rPr lang="en-US" smtClean="0"/>
+              <a:t>7</a:t>
+            </a:fld>
+            <a:endParaRPr lang="en-US" dirty="0"/>
+          </a:p>
+        </p:txBody>
+      </p:sp>
+    </p:spTree>
+  </p:cSld>
+  <p:clrMapOvr>
+    <a:masterClrMapping/>
+  </p:clrMapOvr>
+  <mc:AlternateContent xmlns:mc="http://schemas.openxmlformats.org/markup-compatibility/2006" xmlns:p14="http://schemas.microsoft.com/office/powerpoint/2010/main">
+    <mc:Choice Requires="p14">
+      <p:transition spd="slow" p14:dur="2000"/>
+    </mc:Choice>
+    <mc:Fallback xmlns="">
+      <p:transition spd="slow"/>
+    </mc:Fallback>
+  </mc:AlternateContent>
+  <p:timing>
+    <p:tnLst>
+      <p:par>
+        <p:cTn id="1" dur="indefinite" restart="never" nodeType="tmRoot"/>
+      </p:par>
+    </p:tnLst>
+  </p:timing>
+</p:sld>
+</file>
+
+<file path=ppt/slides/slide8.xml><?xml version="1.0" encoding="utf-8"?>
+<p:sld xmlns:a="http://schemas.openxmlformats.org/drawingml/2006/main" xmlns:r="http://schemas.openxmlformats.org/officeDocument/2006/relationships" xmlns:p="http://schemas.openxmlformats.org/presentationml/2006/main">
+  <p:cSld>
+    <p:spTree>
+      <p:nvGrpSpPr>
+        <p:cNvPr id="1" name=""/>
+        <p:cNvGrpSpPr/>
+        <p:nvPr/>
+      </p:nvGrpSpPr>
+      <p:grpSpPr>
+        <a:xfrm>
+          <a:off x="0" y="0"/>
+          <a:ext cx="0" cy="0"/>
+          <a:chOff x="0" y="0"/>
+          <a:chExt cx="0" cy="0"/>
+        </a:xfrm>
+      </p:grpSpPr>
+      <p:sp>
+        <p:nvSpPr>
+          <p:cNvPr id="2" name="Title 1"/>
+          <p:cNvSpPr txBox="1">
+            <a:spLocks noGrp="1"/>
+          </p:cNvSpPr>
+          <p:nvPr>
+            <p:ph type="title"/>
+          </p:nvPr>
+        </p:nvSpPr>
+        <p:spPr/>
+        <p:txBody>
+          <a:bodyPr>
+            <a:normAutofit/>
+          </a:bodyPr>
+          <a:lstStyle/>
+          <a:p>
+            <a:pPr lvl="0"/>
+            <a:r>
+              <a:rPr lang="fr-FR" sz="3200" dirty="0"/>
+              <a:t>Back-end</a:t>
+            </a:r>
+            <a:endParaRPr lang="en-US" sz="3200" dirty="0"/>
+          </a:p>
+        </p:txBody>
+      </p:sp>
+      <p:pic>
+        <p:nvPicPr>
+          <p:cNvPr id="4" name="Content Placeholder 3"/>
+          <p:cNvPicPr>
+            <a:picLocks noGrp="1" noChangeAspect="1"/>
+          </p:cNvPicPr>
+          <p:nvPr>
+            <p:ph idx="1"/>
+          </p:nvPr>
+        </p:nvPicPr>
+        <p:blipFill rotWithShape="1">
+          <a:blip r:embed="rId2"/>
+          <a:srcRect t="4903" r="17328" b="15921"/>
+          <a:stretch/>
+        </p:blipFill>
+        <p:spPr>
+          <a:xfrm>
+            <a:off x="609600" y="1844039"/>
+            <a:ext cx="10437803" cy="4404367"/>
+          </a:xfrm>
+          <a:prstGeom prst="rect">
+            <a:avLst/>
+          </a:prstGeom>
+        </p:spPr>
+      </p:pic>
+      <p:sp>
+        <p:nvSpPr>
+          <p:cNvPr id="5" name="Espace réservé du numéro de diapositive 4"/>
+          <p:cNvSpPr>
+            <a:spLocks noGrp="1"/>
+          </p:cNvSpPr>
+          <p:nvPr>
+            <p:ph type="sldNum" sz="quarter" idx="8"/>
+          </p:nvPr>
+        </p:nvSpPr>
+        <p:spPr/>
+        <p:txBody>
+          <a:bodyPr/>
+          <a:lstStyle/>
+          <a:p>
+            <a:pPr lvl="0"/>
+            <a:fld id="{FC58373E-BBBD-4267-B7B4-E9F599CBBEC0}" type="slidenum">
+              <a:rPr lang="en-US" smtClean="0"/>
+              <a:t>8</a:t>
+            </a:fld>
+            <a:endParaRPr lang="en-US" dirty="0"/>
+          </a:p>
+        </p:txBody>
+      </p:sp>
+    </p:spTree>
+    <p:extLst>
+      <p:ext uri="{BB962C8B-B14F-4D97-AF65-F5344CB8AC3E}">
+        <p14:creationId xmlns:p14="http://schemas.microsoft.com/office/powerpoint/2010/main" val="307525775"/>
+      </p:ext>
+    </p:extLst>
+  </p:cSld>
+  <p:clrMapOvr>
+    <a:masterClrMapping/>
+  </p:clrMapOvr>
+  <mc:AlternateContent xmlns:mc="http://schemas.openxmlformats.org/markup-compatibility/2006" xmlns:p14="http://schemas.microsoft.com/office/powerpoint/2010/main">
+    <mc:Choice Requires="p14">
+      <p:transition spd="slow" p14:dur="2000"/>
+    </mc:Choice>
+    <mc:Fallback xmlns="">
+      <p:transition spd="slow"/>
+    </mc:Fallback>
+  </mc:AlternateContent>
+  <p:timing>
+    <p:tnLst>
+      <p:par>
+        <p:cTn id="1" dur="indefinite" restart="never" nodeType="tmRoot"/>
+      </p:par>
+    </p:tnLst>
+  </p:timing>
+</p:sld>
+</file>
+
+<file path=ppt/slides/slide9.xml><?xml version="1.0" encoding="utf-8"?>
+<p:sld xmlns:a="http://schemas.openxmlformats.org/drawingml/2006/main" xmlns:r="http://schemas.openxmlformats.org/officeDocument/2006/relationships" xmlns:p="http://schemas.openxmlformats.org/presentationml/2006/main">
+  <p:cSld name="Slide8">
+    <p:spTree>
+      <p:nvGrpSpPr>
+        <p:cNvPr id="1" name=""/>
+        <p:cNvGrpSpPr/>
+        <p:nvPr/>
+      </p:nvGrpSpPr>
+      <p:grpSpPr>
+        <a:xfrm>
+          <a:off x="0" y="0"/>
+          <a:ext cx="0" cy="0"/>
+          <a:chOff x="0" y="0"/>
+          <a:chExt cx="0" cy="0"/>
+        </a:xfrm>
+      </p:grpSpPr>
+      <p:sp>
+        <p:nvSpPr>
+          <p:cNvPr id="2" name="Title 1"/>
+          <p:cNvSpPr txBox="1">
+            <a:spLocks noGrp="1"/>
+          </p:cNvSpPr>
+          <p:nvPr>
+            <p:ph type="title"/>
+          </p:nvPr>
+        </p:nvSpPr>
+        <p:spPr/>
+        <p:txBody>
+          <a:bodyPr>
+            <a:normAutofit/>
+          </a:bodyPr>
+          <a:lstStyle/>
+          <a:p>
+            <a:pPr lvl="0"/>
+            <a:r>
+              <a:rPr lang="fr-FR" sz="3200" dirty="0"/>
+              <a:t>Back-end</a:t>
+            </a:r>
+            <a:endParaRPr lang="en-US" sz="3200" dirty="0"/>
+          </a:p>
+        </p:txBody>
+      </p:sp>
+      <p:sp>
+        <p:nvSpPr>
+          <p:cNvPr id="3" name="Content Placeholder 5"/>
+          <p:cNvSpPr txBox="1">
+            <a:spLocks noGrp="1"/>
+          </p:cNvSpPr>
+          <p:nvPr>
+            <p:ph idx="1"/>
+          </p:nvPr>
+        </p:nvSpPr>
+        <p:spPr>
+          <a:xfrm>
+            <a:off x="1141408" y="2249488"/>
+            <a:ext cx="10059992" cy="3541718"/>
+          </a:xfrm>
+        </p:spPr>
+        <p:txBody>
+          <a:bodyPr/>
+          <a:lstStyle/>
+          <a:p>
+            <a:pPr marL="0" lvl="0" indent="0">
+              <a:buNone/>
+            </a:pPr>
+            <a:r>
+              <a:rPr lang="fr-FR" sz="3200" u="sng" dirty="0"/>
+              <a:t>Partie </a:t>
+            </a:r>
+            <a:r>
+              <a:rPr lang="fr-FR" sz="3200" u="sng" dirty="0" smtClean="0"/>
+              <a:t>fonctionnelle :</a:t>
+            </a:r>
+            <a:endParaRPr lang="fr-FR" sz="3200" u="sng" dirty="0"/>
+          </a:p>
+          <a:p>
+            <a:pPr lvl="1">
+              <a:buChar char="-"/>
+            </a:pPr>
+            <a:r>
+              <a:rPr lang="fr-FR" dirty="0"/>
+              <a:t>Connexion avec son compte </a:t>
+            </a:r>
+          </a:p>
+          <a:p>
+            <a:pPr lvl="1">
+              <a:buChar char="-"/>
+            </a:pPr>
+            <a:r>
+              <a:rPr lang="fr-FR" dirty="0"/>
+              <a:t>Affichage des articles </a:t>
+            </a:r>
+            <a:endParaRPr lang="fr-FR" dirty="0" smtClean="0"/>
+          </a:p>
+          <a:p>
+            <a:pPr lvl="1">
+              <a:buChar char="-"/>
+            </a:pPr>
+            <a:r>
+              <a:rPr lang="fr-FR" dirty="0" smtClean="0"/>
+              <a:t>Contacter </a:t>
+            </a:r>
+            <a:r>
+              <a:rPr lang="fr-FR" dirty="0"/>
+              <a:t>le service</a:t>
+            </a:r>
+            <a:endParaRPr lang="en-US" dirty="0"/>
+          </a:p>
+        </p:txBody>
+      </p:sp>
+      <p:sp>
+        <p:nvSpPr>
+          <p:cNvPr id="5" name="Espace réservé du numéro de diapositive 4"/>
+          <p:cNvSpPr>
+            <a:spLocks noGrp="1"/>
+          </p:cNvSpPr>
+          <p:nvPr>
+            <p:ph type="sldNum" sz="quarter" idx="8"/>
+          </p:nvPr>
+        </p:nvSpPr>
+        <p:spPr/>
+        <p:txBody>
+          <a:bodyPr/>
+          <a:lstStyle/>
+          <a:p>
+            <a:pPr lvl="0"/>
+            <a:fld id="{FC58373E-BBBD-4267-B7B4-E9F599CBBEC0}" type="slidenum">
               <a:rPr lang="en-US" smtClean="0"/>
               <a:t>9</a:t>
             </a:fld>

--- a/Project-Personnalisé-Encadrée .pptx
+++ b/Project-Personnalisé-Encadrée .pptx
@@ -951,7 +951,7 @@
           <p:cNvPr id="2" name="Picture 2" descr="\\DROBO-FS\QuickDrops\JB\PPTX NG\Droplets\LightingOverlay.png">
             <a:extLst>
               <a:ext uri="{FF2B5EF4-FFF2-40B4-BE49-F238E27FC236}">
-                <a16:creationId xmlns="" xmlns:a16="http://schemas.microsoft.com/office/drawing/2014/main" id="{00000000-0000-0000-0000-000000000000}"/>
+                <a16:creationId xmlns:a16="http://schemas.microsoft.com/office/drawing/2014/main" xmlns="" id="{00000000-0000-0000-0000-000000000000}"/>
               </a:ext>
             </a:extLst>
           </p:cNvPr>
@@ -12912,7 +12912,7 @@
           <p:cNvPr id="2" name="Picture 2" descr="\\DROBO-FS\QuickDrops\JB\PPTX NG\Droplets\LightingOverlay.png">
             <a:extLst>
               <a:ext uri="{FF2B5EF4-FFF2-40B4-BE49-F238E27FC236}">
-                <a16:creationId xmlns="" xmlns:a16="http://schemas.microsoft.com/office/drawing/2014/main" id="{00000000-0000-0000-0000-000000000000}"/>
+                <a16:creationId xmlns:a16="http://schemas.microsoft.com/office/drawing/2014/main" xmlns="" id="{00000000-0000-0000-0000-000000000000}"/>
               </a:ext>
             </a:extLst>
           </p:cNvPr>
@@ -18971,12 +18971,16 @@
   <p:clrMapOvr>
     <a:masterClrMapping/>
   </p:clrMapOvr>
-  <mc:AlternateContent xmlns:mc="http://schemas.openxmlformats.org/markup-compatibility/2006" xmlns:p14="http://schemas.microsoft.com/office/powerpoint/2010/main">
-    <mc:Choice Requires="p14">
-      <p:transition spd="slow" p14:dur="2000"/>
+  <mc:AlternateContent xmlns:mc="http://schemas.openxmlformats.org/markup-compatibility/2006">
+    <mc:Choice xmlns:p15="http://schemas.microsoft.com/office/powerpoint/2012/main" Requires="p15">
+      <p:transition xmlns:p14="http://schemas.microsoft.com/office/powerpoint/2010/main" spd="slow" p14:dur="6000">
+        <p15:prstTrans prst="curtains"/>
+      </p:transition>
     </mc:Choice>
-    <mc:Fallback xmlns="">
-      <p:transition spd="slow"/>
+    <mc:Fallback>
+      <p:transition spd="slow">
+        <p:fade/>
+      </p:transition>
     </mc:Fallback>
   </mc:AlternateContent>
   <p:timing>
@@ -19111,12 +19115,16 @@
   <p:clrMapOvr>
     <a:masterClrMapping/>
   </p:clrMapOvr>
-  <mc:AlternateContent xmlns:mc="http://schemas.openxmlformats.org/markup-compatibility/2006" xmlns:p14="http://schemas.microsoft.com/office/powerpoint/2010/main">
-    <mc:Choice Requires="p14">
-      <p:transition spd="slow" p14:dur="2000"/>
+  <mc:AlternateContent xmlns:mc="http://schemas.openxmlformats.org/markup-compatibility/2006">
+    <mc:Choice xmlns:p15="http://schemas.microsoft.com/office/powerpoint/2012/main" Requires="p15">
+      <p:transition xmlns:p14="http://schemas.microsoft.com/office/powerpoint/2010/main" spd="slow" p14:dur="1250">
+        <p15:prstTrans prst="peelOff"/>
+      </p:transition>
     </mc:Choice>
-    <mc:Fallback xmlns="">
-      <p:transition spd="slow"/>
+    <mc:Fallback>
+      <p:transition spd="slow">
+        <p:fade/>
+      </p:transition>
     </mc:Fallback>
   </mc:AlternateContent>
   <p:timing>
@@ -19646,11 +19654,7 @@
             </a:pPr>
             <a:r>
               <a:rPr lang="fr-FR" sz="2400" dirty="0" smtClean="0"/>
-              <a:t>Difficulté pour réaliser certaines tâches en </a:t>
-            </a:r>
-            <a:r>
-              <a:rPr lang="fr-FR" sz="2400" dirty="0" smtClean="0"/>
-              <a:t>PHP</a:t>
+              <a:t>Difficulté pour réaliser certaines tâches en PHP</a:t>
             </a:r>
           </a:p>
           <a:p>
@@ -19663,7 +19667,6 @@
               <a:rPr lang="fr-FR" sz="2400" dirty="0" smtClean="0"/>
               <a:t>Manque de connaissances en JS</a:t>
             </a:r>
-            <a:endParaRPr lang="fr-FR" sz="2400" dirty="0" smtClean="0"/>
           </a:p>
           <a:p>
             <a:pPr lvl="1">
@@ -20308,12 +20311,16 @@
   <p:clrMapOvr>
     <a:masterClrMapping/>
   </p:clrMapOvr>
-  <mc:AlternateContent xmlns:mc="http://schemas.openxmlformats.org/markup-compatibility/2006" xmlns:p14="http://schemas.microsoft.com/office/powerpoint/2010/main">
-    <mc:Choice Requires="p14">
-      <p:transition spd="slow" p14:dur="2000"/>
+  <mc:AlternateContent xmlns:mc="http://schemas.openxmlformats.org/markup-compatibility/2006">
+    <mc:Choice xmlns:p15="http://schemas.microsoft.com/office/powerpoint/2012/main" Requires="p15">
+      <p:transition xmlns:p14="http://schemas.microsoft.com/office/powerpoint/2010/main" spd="slow" p14:dur="2000">
+        <p15:prstTrans prst="prestige"/>
+      </p:transition>
     </mc:Choice>
-    <mc:Fallback xmlns="">
-      <p:transition spd="slow"/>
+    <mc:Fallback>
+      <p:transition spd="slow">
+        <p:fade/>
+      </p:transition>
     </mc:Fallback>
   </mc:AlternateContent>
   <p:timing>
@@ -20372,21 +20379,12 @@
               <a:rPr lang="fr-FR" sz="3200" dirty="0" smtClean="0"/>
               <a:t>Langages utilisés : </a:t>
             </a:r>
-            <a:endParaRPr lang="fr-FR" sz="3200" dirty="0" smtClean="0"/>
           </a:p>
           <a:p>
             <a:pPr lvl="1"/>
             <a:r>
               <a:rPr lang="fr-FR" sz="2600" dirty="0" smtClean="0"/>
-              <a:t>HTML</a:t>
-            </a:r>
-            <a:r>
-              <a:rPr lang="fr-FR" sz="2600" dirty="0" smtClean="0"/>
-              <a:t>, </a:t>
-            </a:r>
-            <a:r>
-              <a:rPr lang="fr-FR" sz="2600" dirty="0" smtClean="0"/>
-              <a:t>CSS</a:t>
+              <a:t>HTML, CSS</a:t>
             </a:r>
           </a:p>
           <a:p>
@@ -20395,7 +20393,6 @@
               <a:rPr lang="fr-FR" sz="2600" dirty="0" smtClean="0"/>
               <a:t>PHP</a:t>
             </a:r>
-            <a:endParaRPr lang="fr-FR" sz="2600" dirty="0" smtClean="0"/>
           </a:p>
           <a:p>
             <a:pPr lvl="1"/>
@@ -20403,7 +20400,6 @@
               <a:rPr lang="fr-FR" sz="2600" dirty="0" smtClean="0"/>
               <a:t>SQL</a:t>
             </a:r>
-            <a:endParaRPr lang="fr-FR" sz="2600" dirty="0" smtClean="0"/>
           </a:p>
           <a:p>
             <a:pPr marL="0" lvl="1" indent="0">
@@ -20624,13 +20620,8 @@
             </a:pPr>
             <a:r>
               <a:rPr lang="fr-FR" dirty="0" smtClean="0"/>
-              <a:t>Les pages Accueil, A Propos, Contact, Mon Compte, </a:t>
+              <a:t>Les pages Accueil, A Propos, Contact, Mon Compte, Catégories</a:t>
             </a:r>
-            <a:r>
-              <a:rPr lang="fr-FR" dirty="0" smtClean="0"/>
-              <a:t>Catégories</a:t>
-            </a:r>
-            <a:endParaRPr lang="fr-FR" dirty="0" smtClean="0"/>
           </a:p>
           <a:p>
             <a:pPr lvl="1">
@@ -20690,12 +20681,16 @@
   <p:clrMapOvr>
     <a:masterClrMapping/>
   </p:clrMapOvr>
-  <mc:AlternateContent xmlns:mc="http://schemas.openxmlformats.org/markup-compatibility/2006" xmlns:p14="http://schemas.microsoft.com/office/powerpoint/2010/main">
-    <mc:Choice Requires="p14">
-      <p:transition spd="slow" p14:dur="2000"/>
+  <mc:AlternateContent xmlns:mc="http://schemas.openxmlformats.org/markup-compatibility/2006">
+    <mc:Choice xmlns:p14="http://schemas.microsoft.com/office/powerpoint/2010/main" Requires="p14">
+      <p:transition spd="slow" p14:dur="1600">
+        <p14:gallery dir="l"/>
+      </p:transition>
     </mc:Choice>
-    <mc:Fallback xmlns="">
-      <p:transition spd="slow"/>
+    <mc:Fallback>
+      <p:transition spd="slow">
+        <p:fade/>
+      </p:transition>
     </mc:Fallback>
   </mc:AlternateContent>
   <p:timing>
@@ -20809,12 +20804,16 @@
   <p:clrMapOvr>
     <a:masterClrMapping/>
   </p:clrMapOvr>
-  <mc:AlternateContent xmlns:mc="http://schemas.openxmlformats.org/markup-compatibility/2006" xmlns:p14="http://schemas.microsoft.com/office/powerpoint/2010/main">
-    <mc:Choice Requires="p14">
-      <p:transition spd="slow" p14:dur="2000"/>
+  <mc:AlternateContent xmlns:mc="http://schemas.openxmlformats.org/markup-compatibility/2006">
+    <mc:Choice xmlns:p15="http://schemas.microsoft.com/office/powerpoint/2012/main" Requires="p15">
+      <p:transition xmlns:p14="http://schemas.microsoft.com/office/powerpoint/2010/main" spd="slow" p14:dur="2000">
+        <p15:prstTrans prst="drape"/>
+      </p:transition>
     </mc:Choice>
-    <mc:Fallback xmlns="">
-      <p:transition spd="slow"/>
+    <mc:Fallback>
+      <p:transition spd="slow">
+        <p:fade/>
+      </p:transition>
     </mc:Fallback>
   </mc:AlternateContent>
   <p:timing>
@@ -20879,7 +20878,7 @@
           <p:cNvPr id="3" name="Espace réservé du contenu 3">
             <a:extLst>
               <a:ext uri="{FF2B5EF4-FFF2-40B4-BE49-F238E27FC236}">
-                <a16:creationId xmlns="" xmlns:a16="http://schemas.microsoft.com/office/drawing/2014/main" id="{00000000-0000-0000-0000-000000000000}"/>
+                <a16:creationId xmlns:a16="http://schemas.microsoft.com/office/drawing/2014/main" xmlns="" id="{00000000-0000-0000-0000-000000000000}"/>
               </a:ext>
             </a:extLst>
           </p:cNvPr>
@@ -21210,14 +21209,9 @@
   <p:clrMapOvr>
     <a:masterClrMapping/>
   </p:clrMapOvr>
-  <mc:AlternateContent xmlns:mc="http://schemas.openxmlformats.org/markup-compatibility/2006" xmlns:p14="http://schemas.microsoft.com/office/powerpoint/2010/main">
-    <mc:Choice Requires="p14">
-      <p:transition spd="slow" p14:dur="2000"/>
-    </mc:Choice>
-    <mc:Fallback xmlns="">
-      <p:transition spd="slow"/>
-    </mc:Fallback>
-  </mc:AlternateContent>
+  <p:transition spd="med">
+    <p:pull/>
+  </p:transition>
   <p:timing>
     <p:tnLst>
       <p:par>
